--- a/Progress Update/20221115_Progress Update.pptx
+++ b/Progress Update/20221115_Progress Update.pptx
@@ -5,23 +5,27 @@
     <p:sldMasterId id="2147483648" r:id="rId1"/>
   </p:sldMasterIdLst>
   <p:notesMasterIdLst>
-    <p:notesMasterId r:id="rId16"/>
+    <p:notesMasterId r:id="rId20"/>
   </p:notesMasterIdLst>
   <p:sldIdLst>
     <p:sldId id="256" r:id="rId2"/>
     <p:sldId id="279" r:id="rId3"/>
     <p:sldId id="271" r:id="rId4"/>
     <p:sldId id="273" r:id="rId5"/>
-    <p:sldId id="275" r:id="rId6"/>
-    <p:sldId id="281" r:id="rId7"/>
-    <p:sldId id="276" r:id="rId8"/>
-    <p:sldId id="282" r:id="rId9"/>
-    <p:sldId id="260" r:id="rId10"/>
-    <p:sldId id="283" r:id="rId11"/>
-    <p:sldId id="277" r:id="rId12"/>
-    <p:sldId id="285" r:id="rId13"/>
-    <p:sldId id="284" r:id="rId14"/>
-    <p:sldId id="264" r:id="rId15"/>
+    <p:sldId id="286" r:id="rId6"/>
+    <p:sldId id="287" r:id="rId7"/>
+    <p:sldId id="275" r:id="rId8"/>
+    <p:sldId id="281" r:id="rId9"/>
+    <p:sldId id="289" r:id="rId10"/>
+    <p:sldId id="288" r:id="rId11"/>
+    <p:sldId id="276" r:id="rId12"/>
+    <p:sldId id="282" r:id="rId13"/>
+    <p:sldId id="260" r:id="rId14"/>
+    <p:sldId id="283" r:id="rId15"/>
+    <p:sldId id="277" r:id="rId16"/>
+    <p:sldId id="285" r:id="rId17"/>
+    <p:sldId id="284" r:id="rId18"/>
+    <p:sldId id="264" r:id="rId19"/>
   </p:sldIdLst>
   <p:sldSz cx="12192000" cy="6858000"/>
   <p:notesSz cx="6858000" cy="9144000"/>
@@ -210,7 +214,7 @@
           <a:p>
             <a:fld id="{B390BD95-D2A9-4A78-AB7E-E8206483E874}" type="datetimeFigureOut">
               <a:rPr lang="ko-KR" altLang="en-US" smtClean="0"/>
-              <a:t>2022-11-11</a:t>
+              <a:t>2022-11-15</a:t>
             </a:fld>
             <a:endParaRPr lang="ko-KR" altLang="en-US"/>
           </a:p>
@@ -624,7 +628,7 @@
           <a:p>
             <a:fld id="{3AA73FCE-6252-4235-8959-819B8A5F230A}" type="datetimeFigureOut">
               <a:rPr lang="ko-KR" altLang="en-US" smtClean="0"/>
-              <a:t>2022-11-11</a:t>
+              <a:t>2022-11-15</a:t>
             </a:fld>
             <a:endParaRPr lang="ko-KR" altLang="en-US"/>
           </a:p>
@@ -822,7 +826,7 @@
           <a:p>
             <a:fld id="{3AA73FCE-6252-4235-8959-819B8A5F230A}" type="datetimeFigureOut">
               <a:rPr lang="ko-KR" altLang="en-US" smtClean="0"/>
-              <a:t>2022-11-11</a:t>
+              <a:t>2022-11-15</a:t>
             </a:fld>
             <a:endParaRPr lang="ko-KR" altLang="en-US"/>
           </a:p>
@@ -1030,7 +1034,7 @@
           <a:p>
             <a:fld id="{3AA73FCE-6252-4235-8959-819B8A5F230A}" type="datetimeFigureOut">
               <a:rPr lang="ko-KR" altLang="en-US" smtClean="0"/>
-              <a:t>2022-11-11</a:t>
+              <a:t>2022-11-15</a:t>
             </a:fld>
             <a:endParaRPr lang="ko-KR" altLang="en-US"/>
           </a:p>
@@ -1228,7 +1232,7 @@
           <a:p>
             <a:fld id="{3AA73FCE-6252-4235-8959-819B8A5F230A}" type="datetimeFigureOut">
               <a:rPr lang="ko-KR" altLang="en-US" smtClean="0"/>
-              <a:t>2022-11-11</a:t>
+              <a:t>2022-11-15</a:t>
             </a:fld>
             <a:endParaRPr lang="ko-KR" altLang="en-US"/>
           </a:p>
@@ -1503,7 +1507,7 @@
           <a:p>
             <a:fld id="{3AA73FCE-6252-4235-8959-819B8A5F230A}" type="datetimeFigureOut">
               <a:rPr lang="ko-KR" altLang="en-US" smtClean="0"/>
-              <a:t>2022-11-11</a:t>
+              <a:t>2022-11-15</a:t>
             </a:fld>
             <a:endParaRPr lang="ko-KR" altLang="en-US"/>
           </a:p>
@@ -1768,7 +1772,7 @@
           <a:p>
             <a:fld id="{3AA73FCE-6252-4235-8959-819B8A5F230A}" type="datetimeFigureOut">
               <a:rPr lang="ko-KR" altLang="en-US" smtClean="0"/>
-              <a:t>2022-11-11</a:t>
+              <a:t>2022-11-15</a:t>
             </a:fld>
             <a:endParaRPr lang="ko-KR" altLang="en-US"/>
           </a:p>
@@ -2180,7 +2184,7 @@
           <a:p>
             <a:fld id="{3AA73FCE-6252-4235-8959-819B8A5F230A}" type="datetimeFigureOut">
               <a:rPr lang="ko-KR" altLang="en-US" smtClean="0"/>
-              <a:t>2022-11-11</a:t>
+              <a:t>2022-11-15</a:t>
             </a:fld>
             <a:endParaRPr lang="ko-KR" altLang="en-US"/>
           </a:p>
@@ -2321,7 +2325,7 @@
           <a:p>
             <a:fld id="{3AA73FCE-6252-4235-8959-819B8A5F230A}" type="datetimeFigureOut">
               <a:rPr lang="ko-KR" altLang="en-US" smtClean="0"/>
-              <a:t>2022-11-11</a:t>
+              <a:t>2022-11-15</a:t>
             </a:fld>
             <a:endParaRPr lang="ko-KR" altLang="en-US"/>
           </a:p>
@@ -2434,7 +2438,7 @@
           <a:p>
             <a:fld id="{3AA73FCE-6252-4235-8959-819B8A5F230A}" type="datetimeFigureOut">
               <a:rPr lang="ko-KR" altLang="en-US" smtClean="0"/>
-              <a:t>2022-11-11</a:t>
+              <a:t>2022-11-15</a:t>
             </a:fld>
             <a:endParaRPr lang="ko-KR" altLang="en-US"/>
           </a:p>
@@ -2745,7 +2749,7 @@
           <a:p>
             <a:fld id="{3AA73FCE-6252-4235-8959-819B8A5F230A}" type="datetimeFigureOut">
               <a:rPr lang="ko-KR" altLang="en-US" smtClean="0"/>
-              <a:t>2022-11-11</a:t>
+              <a:t>2022-11-15</a:t>
             </a:fld>
             <a:endParaRPr lang="ko-KR" altLang="en-US"/>
           </a:p>
@@ -3033,7 +3037,7 @@
           <a:p>
             <a:fld id="{3AA73FCE-6252-4235-8959-819B8A5F230A}" type="datetimeFigureOut">
               <a:rPr lang="ko-KR" altLang="en-US" smtClean="0"/>
-              <a:t>2022-11-11</a:t>
+              <a:t>2022-11-15</a:t>
             </a:fld>
             <a:endParaRPr lang="ko-KR" altLang="en-US"/>
           </a:p>
@@ -3274,7 +3278,7 @@
           <a:p>
             <a:fld id="{3AA73FCE-6252-4235-8959-819B8A5F230A}" type="datetimeFigureOut">
               <a:rPr lang="ko-KR" altLang="en-US" smtClean="0"/>
-              <a:t>2022-11-11</a:t>
+              <a:t>2022-11-15</a:t>
             </a:fld>
             <a:endParaRPr lang="ko-KR" altLang="en-US"/>
           </a:p>
@@ -3798,6 +3802,739 @@
           <p:cNvPr id="2" name="제목 1">
             <a:extLst>
               <a:ext uri="{FF2B5EF4-FFF2-40B4-BE49-F238E27FC236}">
+                <a16:creationId xmlns:a16="http://schemas.microsoft.com/office/drawing/2014/main" id="{37767C2E-9BD6-1370-2A88-1EF9C2C7DEBA}"/>
+              </a:ext>
+            </a:extLst>
+          </p:cNvPr>
+          <p:cNvSpPr>
+            <a:spLocks noGrp="1"/>
+          </p:cNvSpPr>
+          <p:nvPr>
+            <p:ph type="title"/>
+          </p:nvPr>
+        </p:nvSpPr>
+        <p:spPr/>
+        <p:txBody>
+          <a:bodyPr/>
+          <a:lstStyle/>
+          <a:p>
+            <a:r>
+              <a:rPr lang="en-US" altLang="ko-KR" dirty="0"/>
+              <a:t>Explore</a:t>
+            </a:r>
+            <a:r>
+              <a:rPr lang="ko-KR" altLang="en-US" dirty="0"/>
+              <a:t> </a:t>
+            </a:r>
+            <a:r>
+              <a:rPr lang="en-US" altLang="ko-KR" dirty="0"/>
+              <a:t>Data</a:t>
+            </a:r>
+            <a:r>
+              <a:rPr lang="ko-KR" altLang="en-US" dirty="0"/>
+              <a:t> </a:t>
+            </a:r>
+            <a:r>
+              <a:rPr lang="en-US" altLang="ko-KR" dirty="0"/>
+              <a:t>– Sigma distribution</a:t>
+            </a:r>
+            <a:endParaRPr lang="ko-KR" altLang="en-US" dirty="0"/>
+          </a:p>
+        </p:txBody>
+      </p:sp>
+      <p:sp>
+        <p:nvSpPr>
+          <p:cNvPr id="3" name="내용 개체 틀 2">
+            <a:extLst>
+              <a:ext uri="{FF2B5EF4-FFF2-40B4-BE49-F238E27FC236}">
+                <a16:creationId xmlns:a16="http://schemas.microsoft.com/office/drawing/2014/main" id="{25613FBC-6A76-2BB5-3B9A-CCADE5E3C6BD}"/>
+              </a:ext>
+            </a:extLst>
+          </p:cNvPr>
+          <p:cNvSpPr>
+            <a:spLocks noGrp="1"/>
+          </p:cNvSpPr>
+          <p:nvPr>
+            <p:ph idx="1"/>
+          </p:nvPr>
+        </p:nvSpPr>
+        <p:spPr/>
+        <p:txBody>
+          <a:bodyPr/>
+          <a:lstStyle/>
+          <a:p>
+            <a:endParaRPr lang="ko-KR" altLang="en-US"/>
+          </a:p>
+        </p:txBody>
+      </p:sp>
+      <p:pic>
+        <p:nvPicPr>
+          <p:cNvPr id="5" name="그림 4">
+            <a:extLst>
+              <a:ext uri="{FF2B5EF4-FFF2-40B4-BE49-F238E27FC236}">
+                <a16:creationId xmlns:a16="http://schemas.microsoft.com/office/drawing/2014/main" id="{EFAE3656-9AB8-3545-A11D-ACC1DA45B521}"/>
+              </a:ext>
+            </a:extLst>
+          </p:cNvPr>
+          <p:cNvPicPr>
+            <a:picLocks noChangeAspect="1"/>
+          </p:cNvPicPr>
+          <p:nvPr/>
+        </p:nvPicPr>
+        <p:blipFill>
+          <a:blip r:embed="rId2"/>
+          <a:stretch>
+            <a:fillRect/>
+          </a:stretch>
+        </p:blipFill>
+        <p:spPr>
+          <a:xfrm>
+            <a:off x="-1" y="1855408"/>
+            <a:ext cx="6096001" cy="5002591"/>
+          </a:xfrm>
+          <a:prstGeom prst="rect">
+            <a:avLst/>
+          </a:prstGeom>
+        </p:spPr>
+      </p:pic>
+      <p:sp>
+        <p:nvSpPr>
+          <p:cNvPr id="7" name="TextBox 6">
+            <a:extLst>
+              <a:ext uri="{FF2B5EF4-FFF2-40B4-BE49-F238E27FC236}">
+                <a16:creationId xmlns:a16="http://schemas.microsoft.com/office/drawing/2014/main" id="{C64387F0-D221-F987-3D05-54F0572FD8C7}"/>
+              </a:ext>
+            </a:extLst>
+          </p:cNvPr>
+          <p:cNvSpPr txBox="1"/>
+          <p:nvPr/>
+        </p:nvSpPr>
+        <p:spPr>
+          <a:xfrm>
+            <a:off x="4561329" y="1316126"/>
+            <a:ext cx="3069336" cy="400110"/>
+          </a:xfrm>
+          <a:prstGeom prst="rect">
+            <a:avLst/>
+          </a:prstGeom>
+          <a:noFill/>
+        </p:spPr>
+        <p:txBody>
+          <a:bodyPr wrap="square" rtlCol="0">
+            <a:spAutoFit/>
+          </a:bodyPr>
+          <a:lstStyle/>
+          <a:p>
+            <a:r>
+              <a:rPr lang="en-US" altLang="ko-KR" sz="2000" b="1" dirty="0">
+                <a:solidFill>
+                  <a:srgbClr val="FF0000"/>
+                </a:solidFill>
+              </a:rPr>
+              <a:t>After Normalization</a:t>
+            </a:r>
+            <a:endParaRPr lang="ko-KR" altLang="en-US" sz="2000" b="1" dirty="0">
+              <a:solidFill>
+                <a:srgbClr val="FF0000"/>
+              </a:solidFill>
+            </a:endParaRPr>
+          </a:p>
+        </p:txBody>
+      </p:sp>
+      <p:pic>
+        <p:nvPicPr>
+          <p:cNvPr id="9" name="그림 8">
+            <a:extLst>
+              <a:ext uri="{FF2B5EF4-FFF2-40B4-BE49-F238E27FC236}">
+                <a16:creationId xmlns:a16="http://schemas.microsoft.com/office/drawing/2014/main" id="{400CE645-3462-EACB-C915-98B900EED00F}"/>
+              </a:ext>
+            </a:extLst>
+          </p:cNvPr>
+          <p:cNvPicPr>
+            <a:picLocks noChangeAspect="1"/>
+          </p:cNvPicPr>
+          <p:nvPr/>
+        </p:nvPicPr>
+        <p:blipFill>
+          <a:blip r:embed="rId3"/>
+          <a:stretch>
+            <a:fillRect/>
+          </a:stretch>
+        </p:blipFill>
+        <p:spPr>
+          <a:xfrm>
+            <a:off x="6095999" y="1855409"/>
+            <a:ext cx="6096001" cy="5002591"/>
+          </a:xfrm>
+          <a:prstGeom prst="rect">
+            <a:avLst/>
+          </a:prstGeom>
+        </p:spPr>
+      </p:pic>
+    </p:spTree>
+    <p:extLst>
+      <p:ext uri="{BB962C8B-B14F-4D97-AF65-F5344CB8AC3E}">
+        <p14:creationId xmlns:p14="http://schemas.microsoft.com/office/powerpoint/2010/main" val="237081420"/>
+      </p:ext>
+    </p:extLst>
+  </p:cSld>
+  <p:clrMapOvr>
+    <a:masterClrMapping/>
+  </p:clrMapOvr>
+</p:sld>
+</file>
+
+<file path=ppt/slides/slide11.xml><?xml version="1.0" encoding="utf-8"?>
+<p:sld xmlns:a="http://schemas.openxmlformats.org/drawingml/2006/main" xmlns:r="http://schemas.openxmlformats.org/officeDocument/2006/relationships" xmlns:p="http://schemas.openxmlformats.org/presentationml/2006/main">
+  <p:cSld>
+    <p:spTree>
+      <p:nvGrpSpPr>
+        <p:cNvPr id="1" name=""/>
+        <p:cNvGrpSpPr/>
+        <p:nvPr/>
+      </p:nvGrpSpPr>
+      <p:grpSpPr>
+        <a:xfrm>
+          <a:off x="0" y="0"/>
+          <a:ext cx="0" cy="0"/>
+          <a:chOff x="0" y="0"/>
+          <a:chExt cx="0" cy="0"/>
+        </a:xfrm>
+      </p:grpSpPr>
+      <p:sp>
+        <p:nvSpPr>
+          <p:cNvPr id="2" name="제목 1">
+            <a:extLst>
+              <a:ext uri="{FF2B5EF4-FFF2-40B4-BE49-F238E27FC236}">
+                <a16:creationId xmlns:a16="http://schemas.microsoft.com/office/drawing/2014/main" id="{58C47A4C-0BB1-AD7D-2DFC-4EA7FCFF311D}"/>
+              </a:ext>
+            </a:extLst>
+          </p:cNvPr>
+          <p:cNvSpPr>
+            <a:spLocks noGrp="1"/>
+          </p:cNvSpPr>
+          <p:nvPr>
+            <p:ph type="title"/>
+          </p:nvPr>
+        </p:nvSpPr>
+        <p:spPr/>
+        <p:txBody>
+          <a:bodyPr/>
+          <a:lstStyle/>
+          <a:p>
+            <a:r>
+              <a:rPr lang="en-US" altLang="ko-KR" dirty="0"/>
+              <a:t>Explore</a:t>
+            </a:r>
+            <a:r>
+              <a:rPr lang="ko-KR" altLang="en-US" dirty="0"/>
+              <a:t> </a:t>
+            </a:r>
+            <a:r>
+              <a:rPr lang="en-US" altLang="ko-KR" dirty="0"/>
+              <a:t>Data</a:t>
+            </a:r>
+            <a:r>
+              <a:rPr lang="ko-KR" altLang="en-US" dirty="0"/>
+              <a:t> </a:t>
+            </a:r>
+            <a:r>
+              <a:rPr lang="en-US" altLang="ko-KR" dirty="0"/>
+              <a:t>– Intensity distribution</a:t>
+            </a:r>
+            <a:endParaRPr lang="ko-KR" altLang="en-US" dirty="0"/>
+          </a:p>
+        </p:txBody>
+      </p:sp>
+      <p:pic>
+        <p:nvPicPr>
+          <p:cNvPr id="13" name="그림 12">
+            <a:extLst>
+              <a:ext uri="{FF2B5EF4-FFF2-40B4-BE49-F238E27FC236}">
+                <a16:creationId xmlns:a16="http://schemas.microsoft.com/office/drawing/2014/main" id="{23DB9B72-D757-B0D8-5F52-4FE466CF5905}"/>
+              </a:ext>
+            </a:extLst>
+          </p:cNvPr>
+          <p:cNvPicPr>
+            <a:picLocks noChangeAspect="1"/>
+          </p:cNvPicPr>
+          <p:nvPr/>
+        </p:nvPicPr>
+        <p:blipFill>
+          <a:blip r:embed="rId2"/>
+          <a:stretch>
+            <a:fillRect/>
+          </a:stretch>
+        </p:blipFill>
+        <p:spPr>
+          <a:xfrm>
+            <a:off x="1" y="1716236"/>
+            <a:ext cx="6096002" cy="5141764"/>
+          </a:xfrm>
+          <a:prstGeom prst="rect">
+            <a:avLst/>
+          </a:prstGeom>
+        </p:spPr>
+      </p:pic>
+      <p:pic>
+        <p:nvPicPr>
+          <p:cNvPr id="15" name="그림 14">
+            <a:extLst>
+              <a:ext uri="{FF2B5EF4-FFF2-40B4-BE49-F238E27FC236}">
+                <a16:creationId xmlns:a16="http://schemas.microsoft.com/office/drawing/2014/main" id="{E991FE14-53F4-9CF6-1D1B-1A7F69292F5E}"/>
+              </a:ext>
+            </a:extLst>
+          </p:cNvPr>
+          <p:cNvPicPr>
+            <a:picLocks noChangeAspect="1"/>
+          </p:cNvPicPr>
+          <p:nvPr/>
+        </p:nvPicPr>
+        <p:blipFill>
+          <a:blip r:embed="rId3"/>
+          <a:stretch>
+            <a:fillRect/>
+          </a:stretch>
+        </p:blipFill>
+        <p:spPr>
+          <a:xfrm>
+            <a:off x="6095997" y="1716236"/>
+            <a:ext cx="6096002" cy="5141764"/>
+          </a:xfrm>
+          <a:prstGeom prst="rect">
+            <a:avLst/>
+          </a:prstGeom>
+        </p:spPr>
+      </p:pic>
+      <p:sp>
+        <p:nvSpPr>
+          <p:cNvPr id="3" name="TextBox 2">
+            <a:extLst>
+              <a:ext uri="{FF2B5EF4-FFF2-40B4-BE49-F238E27FC236}">
+                <a16:creationId xmlns:a16="http://schemas.microsoft.com/office/drawing/2014/main" id="{3C08F6ED-C5EC-A3D7-69D9-0E0BA8A4158A}"/>
+              </a:ext>
+            </a:extLst>
+          </p:cNvPr>
+          <p:cNvSpPr txBox="1"/>
+          <p:nvPr/>
+        </p:nvSpPr>
+        <p:spPr>
+          <a:xfrm>
+            <a:off x="4408929" y="1336745"/>
+            <a:ext cx="3069336" cy="707886"/>
+          </a:xfrm>
+          <a:prstGeom prst="rect">
+            <a:avLst/>
+          </a:prstGeom>
+          <a:noFill/>
+        </p:spPr>
+        <p:txBody>
+          <a:bodyPr wrap="square" rtlCol="0">
+            <a:spAutoFit/>
+          </a:bodyPr>
+          <a:lstStyle/>
+          <a:p>
+            <a:pPr algn="ctr"/>
+            <a:r>
+              <a:rPr lang="en-US" altLang="ko-KR" sz="2000" b="1" dirty="0">
+                <a:solidFill>
+                  <a:srgbClr val="FF0000"/>
+                </a:solidFill>
+              </a:rPr>
+              <a:t>After Normalization</a:t>
+            </a:r>
+          </a:p>
+          <a:p>
+            <a:pPr algn="ctr"/>
+            <a:r>
+              <a:rPr lang="en-US" altLang="ko-KR" sz="2000" b="1" dirty="0">
+                <a:solidFill>
+                  <a:srgbClr val="FF0000"/>
+                </a:solidFill>
+              </a:rPr>
+              <a:t>Sigma &gt; 0</a:t>
+            </a:r>
+            <a:endParaRPr lang="ko-KR" altLang="en-US" sz="2000" b="1" dirty="0">
+              <a:solidFill>
+                <a:srgbClr val="FF0000"/>
+              </a:solidFill>
+            </a:endParaRPr>
+          </a:p>
+        </p:txBody>
+      </p:sp>
+    </p:spTree>
+    <p:extLst>
+      <p:ext uri="{BB962C8B-B14F-4D97-AF65-F5344CB8AC3E}">
+        <p14:creationId xmlns:p14="http://schemas.microsoft.com/office/powerpoint/2010/main" val="891137179"/>
+      </p:ext>
+    </p:extLst>
+  </p:cSld>
+  <p:clrMapOvr>
+    <a:masterClrMapping/>
+  </p:clrMapOvr>
+</p:sld>
+</file>
+
+<file path=ppt/slides/slide12.xml><?xml version="1.0" encoding="utf-8"?>
+<p:sld xmlns:a="http://schemas.openxmlformats.org/drawingml/2006/main" xmlns:r="http://schemas.openxmlformats.org/officeDocument/2006/relationships" xmlns:p="http://schemas.openxmlformats.org/presentationml/2006/main">
+  <p:cSld>
+    <p:spTree>
+      <p:nvGrpSpPr>
+        <p:cNvPr id="1" name=""/>
+        <p:cNvGrpSpPr/>
+        <p:nvPr/>
+      </p:nvGrpSpPr>
+      <p:grpSpPr>
+        <a:xfrm>
+          <a:off x="0" y="0"/>
+          <a:ext cx="0" cy="0"/>
+          <a:chOff x="0" y="0"/>
+          <a:chExt cx="0" cy="0"/>
+        </a:xfrm>
+      </p:grpSpPr>
+      <p:pic>
+        <p:nvPicPr>
+          <p:cNvPr id="8" name="그림 7">
+            <a:extLst>
+              <a:ext uri="{FF2B5EF4-FFF2-40B4-BE49-F238E27FC236}">
+                <a16:creationId xmlns:a16="http://schemas.microsoft.com/office/drawing/2014/main" id="{6C752F65-95C5-B935-3558-455385BF2CE6}"/>
+              </a:ext>
+            </a:extLst>
+          </p:cNvPr>
+          <p:cNvPicPr>
+            <a:picLocks noChangeAspect="1"/>
+          </p:cNvPicPr>
+          <p:nvPr/>
+        </p:nvPicPr>
+        <p:blipFill>
+          <a:blip r:embed="rId2"/>
+          <a:stretch>
+            <a:fillRect/>
+          </a:stretch>
+        </p:blipFill>
+        <p:spPr>
+          <a:xfrm>
+            <a:off x="6095998" y="1716236"/>
+            <a:ext cx="6096002" cy="5141764"/>
+          </a:xfrm>
+          <a:prstGeom prst="rect">
+            <a:avLst/>
+          </a:prstGeom>
+        </p:spPr>
+      </p:pic>
+      <p:sp>
+        <p:nvSpPr>
+          <p:cNvPr id="2" name="제목 1">
+            <a:extLst>
+              <a:ext uri="{FF2B5EF4-FFF2-40B4-BE49-F238E27FC236}">
+                <a16:creationId xmlns:a16="http://schemas.microsoft.com/office/drawing/2014/main" id="{BBCE4BC2-4507-676A-607B-58A2B540FF5A}"/>
+              </a:ext>
+            </a:extLst>
+          </p:cNvPr>
+          <p:cNvSpPr>
+            <a:spLocks noGrp="1"/>
+          </p:cNvSpPr>
+          <p:nvPr>
+            <p:ph type="title"/>
+          </p:nvPr>
+        </p:nvSpPr>
+        <p:spPr/>
+        <p:txBody>
+          <a:bodyPr/>
+          <a:lstStyle/>
+          <a:p>
+            <a:r>
+              <a:rPr lang="en-US" altLang="ko-KR" dirty="0"/>
+              <a:t>Explore Data – Sigma distribution</a:t>
+            </a:r>
+            <a:endParaRPr lang="ko-KR" altLang="en-US" dirty="0"/>
+          </a:p>
+        </p:txBody>
+      </p:sp>
+      <p:pic>
+        <p:nvPicPr>
+          <p:cNvPr id="5" name="그림 4">
+            <a:extLst>
+              <a:ext uri="{FF2B5EF4-FFF2-40B4-BE49-F238E27FC236}">
+                <a16:creationId xmlns:a16="http://schemas.microsoft.com/office/drawing/2014/main" id="{1334A6FA-94C3-F3A4-6D00-A6C94D54025C}"/>
+              </a:ext>
+            </a:extLst>
+          </p:cNvPr>
+          <p:cNvPicPr>
+            <a:picLocks noChangeAspect="1"/>
+          </p:cNvPicPr>
+          <p:nvPr/>
+        </p:nvPicPr>
+        <p:blipFill>
+          <a:blip r:embed="rId3"/>
+          <a:stretch>
+            <a:fillRect/>
+          </a:stretch>
+        </p:blipFill>
+        <p:spPr>
+          <a:xfrm>
+            <a:off x="0" y="1716238"/>
+            <a:ext cx="6096000" cy="5141762"/>
+          </a:xfrm>
+          <a:prstGeom prst="rect">
+            <a:avLst/>
+          </a:prstGeom>
+        </p:spPr>
+      </p:pic>
+      <p:sp>
+        <p:nvSpPr>
+          <p:cNvPr id="6" name="TextBox 5">
+            <a:extLst>
+              <a:ext uri="{FF2B5EF4-FFF2-40B4-BE49-F238E27FC236}">
+                <a16:creationId xmlns:a16="http://schemas.microsoft.com/office/drawing/2014/main" id="{3DC55172-3DEA-2C72-04C5-7F40EB13FA74}"/>
+              </a:ext>
+            </a:extLst>
+          </p:cNvPr>
+          <p:cNvSpPr txBox="1"/>
+          <p:nvPr/>
+        </p:nvSpPr>
+        <p:spPr>
+          <a:xfrm>
+            <a:off x="4185412" y="1336745"/>
+            <a:ext cx="3069336" cy="707886"/>
+          </a:xfrm>
+          <a:prstGeom prst="rect">
+            <a:avLst/>
+          </a:prstGeom>
+          <a:noFill/>
+        </p:spPr>
+        <p:txBody>
+          <a:bodyPr wrap="square" rtlCol="0">
+            <a:spAutoFit/>
+          </a:bodyPr>
+          <a:lstStyle/>
+          <a:p>
+            <a:pPr algn="ctr"/>
+            <a:r>
+              <a:rPr lang="en-US" altLang="ko-KR" sz="2000" b="1" dirty="0">
+                <a:solidFill>
+                  <a:srgbClr val="FF0000"/>
+                </a:solidFill>
+              </a:rPr>
+              <a:t>After Normalization</a:t>
+            </a:r>
+          </a:p>
+          <a:p>
+            <a:pPr algn="ctr"/>
+            <a:r>
+              <a:rPr lang="en-US" altLang="ko-KR" sz="2000" b="1" dirty="0">
+                <a:solidFill>
+                  <a:srgbClr val="FF0000"/>
+                </a:solidFill>
+              </a:rPr>
+              <a:t>Sigma &gt; 0</a:t>
+            </a:r>
+            <a:endParaRPr lang="ko-KR" altLang="en-US" sz="2000" b="1" dirty="0">
+              <a:solidFill>
+                <a:srgbClr val="FF0000"/>
+              </a:solidFill>
+            </a:endParaRPr>
+          </a:p>
+        </p:txBody>
+      </p:sp>
+    </p:spTree>
+    <p:extLst>
+      <p:ext uri="{BB962C8B-B14F-4D97-AF65-F5344CB8AC3E}">
+        <p14:creationId xmlns:p14="http://schemas.microsoft.com/office/powerpoint/2010/main" val="2262074714"/>
+      </p:ext>
+    </p:extLst>
+  </p:cSld>
+  <p:clrMapOvr>
+    <a:masterClrMapping/>
+  </p:clrMapOvr>
+</p:sld>
+</file>
+
+<file path=ppt/slides/slide13.xml><?xml version="1.0" encoding="utf-8"?>
+<p:sld xmlns:a="http://schemas.openxmlformats.org/drawingml/2006/main" xmlns:r="http://schemas.openxmlformats.org/officeDocument/2006/relationships" xmlns:p="http://schemas.openxmlformats.org/presentationml/2006/main">
+  <p:cSld>
+    <p:spTree>
+      <p:nvGrpSpPr>
+        <p:cNvPr id="1" name=""/>
+        <p:cNvGrpSpPr/>
+        <p:nvPr/>
+      </p:nvGrpSpPr>
+      <p:grpSpPr>
+        <a:xfrm>
+          <a:off x="0" y="0"/>
+          <a:ext cx="0" cy="0"/>
+          <a:chOff x="0" y="0"/>
+          <a:chExt cx="0" cy="0"/>
+        </a:xfrm>
+      </p:grpSpPr>
+      <p:sp>
+        <p:nvSpPr>
+          <p:cNvPr id="2" name="제목 1">
+            <a:extLst>
+              <a:ext uri="{FF2B5EF4-FFF2-40B4-BE49-F238E27FC236}">
+                <a16:creationId xmlns:a16="http://schemas.microsoft.com/office/drawing/2014/main" id="{F9F028FD-E480-9D2F-2A8F-E52F3CA771F0}"/>
+              </a:ext>
+            </a:extLst>
+          </p:cNvPr>
+          <p:cNvSpPr>
+            <a:spLocks noGrp="1"/>
+          </p:cNvSpPr>
+          <p:nvPr>
+            <p:ph type="title"/>
+          </p:nvPr>
+        </p:nvSpPr>
+        <p:spPr/>
+        <p:txBody>
+          <a:bodyPr/>
+          <a:lstStyle/>
+          <a:p>
+            <a:r>
+              <a:rPr lang="en-US" altLang="ko-KR" dirty="0"/>
+              <a:t>Cluster Analysis - Model</a:t>
+            </a:r>
+            <a:endParaRPr lang="ko-KR" altLang="en-US" dirty="0"/>
+          </a:p>
+        </p:txBody>
+      </p:sp>
+      <p:sp>
+        <p:nvSpPr>
+          <p:cNvPr id="3" name="TextBox 2">
+            <a:extLst>
+              <a:ext uri="{FF2B5EF4-FFF2-40B4-BE49-F238E27FC236}">
+                <a16:creationId xmlns:a16="http://schemas.microsoft.com/office/drawing/2014/main" id="{D7EFC464-AD66-ADDE-7126-748982DB468A}"/>
+              </a:ext>
+            </a:extLst>
+          </p:cNvPr>
+          <p:cNvSpPr txBox="1"/>
+          <p:nvPr/>
+        </p:nvSpPr>
+        <p:spPr>
+          <a:xfrm>
+            <a:off x="1088571" y="2002971"/>
+            <a:ext cx="9831978" cy="2862322"/>
+          </a:xfrm>
+          <a:prstGeom prst="rect">
+            <a:avLst/>
+          </a:prstGeom>
+          <a:noFill/>
+        </p:spPr>
+        <p:txBody>
+          <a:bodyPr wrap="square" rtlCol="0">
+            <a:spAutoFit/>
+          </a:bodyPr>
+          <a:lstStyle/>
+          <a:p>
+            <a:pPr marL="342900" indent="-342900">
+              <a:buAutoNum type="arabicPeriod"/>
+            </a:pPr>
+            <a:r>
+              <a:rPr lang="en-US" altLang="ko-KR" sz="2000" dirty="0"/>
+              <a:t>Normalized data</a:t>
+            </a:r>
+          </a:p>
+          <a:p>
+            <a:pPr marL="342900" indent="-342900">
+              <a:buAutoNum type="arabicPeriod"/>
+            </a:pPr>
+            <a:endParaRPr lang="en-US" altLang="ko-KR" sz="2000" dirty="0"/>
+          </a:p>
+          <a:p>
+            <a:pPr marL="342900" indent="-342900">
+              <a:buAutoNum type="arabicPeriod"/>
+            </a:pPr>
+            <a:r>
+              <a:rPr lang="en-US" altLang="ko-KR" sz="2000" dirty="0"/>
+              <a:t>Euclidean distance</a:t>
+            </a:r>
+          </a:p>
+          <a:p>
+            <a:pPr marL="800100" lvl="1" indent="-342900">
+              <a:buFontTx/>
+              <a:buChar char="-"/>
+            </a:pPr>
+            <a:r>
+              <a:rPr lang="en-US" altLang="ko-KR" sz="2000" dirty="0"/>
+              <a:t>Observation with certain values of features will be clustered together</a:t>
+            </a:r>
+          </a:p>
+          <a:p>
+            <a:pPr marL="800100" lvl="1" indent="-342900">
+              <a:buFontTx/>
+              <a:buChar char="-"/>
+            </a:pPr>
+            <a:r>
+              <a:rPr lang="en-US" altLang="ko-KR" sz="2000" dirty="0">
+                <a:solidFill>
+                  <a:schemeClr val="bg2">
+                    <a:lumMod val="75000"/>
+                  </a:schemeClr>
+                </a:solidFill>
+              </a:rPr>
+              <a:t>Correlation based distance methods (e.g. Pearson corr. Spearman corr.) identify clusters of observation regardless of their magnitude</a:t>
+            </a:r>
+          </a:p>
+          <a:p>
+            <a:pPr marL="342900" indent="-342900">
+              <a:buAutoNum type="arabicPeriod"/>
+            </a:pPr>
+            <a:endParaRPr lang="en-US" altLang="ko-KR" sz="2000" dirty="0"/>
+          </a:p>
+          <a:p>
+            <a:pPr marL="342900" indent="-342900">
+              <a:buAutoNum type="arabicPeriod"/>
+            </a:pPr>
+            <a:r>
+              <a:rPr lang="en-US" altLang="ko-KR" sz="2000" dirty="0"/>
+              <a:t>K-means clustering</a:t>
+            </a:r>
+          </a:p>
+          <a:p>
+            <a:pPr marL="800100" lvl="1" indent="-342900">
+              <a:buFontTx/>
+              <a:buChar char="-"/>
+            </a:pPr>
+            <a:r>
+              <a:rPr lang="en-US" altLang="ko-KR" sz="2000" dirty="0"/>
+              <a:t>Most common clustering method</a:t>
+            </a:r>
+          </a:p>
+        </p:txBody>
+      </p:sp>
+    </p:spTree>
+    <p:extLst>
+      <p:ext uri="{BB962C8B-B14F-4D97-AF65-F5344CB8AC3E}">
+        <p14:creationId xmlns:p14="http://schemas.microsoft.com/office/powerpoint/2010/main" val="2785510413"/>
+      </p:ext>
+    </p:extLst>
+  </p:cSld>
+  <p:clrMapOvr>
+    <a:masterClrMapping/>
+  </p:clrMapOvr>
+</p:sld>
+</file>
+
+<file path=ppt/slides/slide14.xml><?xml version="1.0" encoding="utf-8"?>
+<p:sld xmlns:a="http://schemas.openxmlformats.org/drawingml/2006/main" xmlns:r="http://schemas.openxmlformats.org/officeDocument/2006/relationships" xmlns:p="http://schemas.openxmlformats.org/presentationml/2006/main">
+  <p:cSld>
+    <p:spTree>
+      <p:nvGrpSpPr>
+        <p:cNvPr id="1" name=""/>
+        <p:cNvGrpSpPr/>
+        <p:nvPr/>
+      </p:nvGrpSpPr>
+      <p:grpSpPr>
+        <a:xfrm>
+          <a:off x="0" y="0"/>
+          <a:ext cx="0" cy="0"/>
+          <a:chOff x="0" y="0"/>
+          <a:chExt cx="0" cy="0"/>
+        </a:xfrm>
+      </p:grpSpPr>
+      <p:sp>
+        <p:nvSpPr>
+          <p:cNvPr id="2" name="제목 1">
+            <a:extLst>
+              <a:ext uri="{FF2B5EF4-FFF2-40B4-BE49-F238E27FC236}">
                 <a16:creationId xmlns:a16="http://schemas.microsoft.com/office/drawing/2014/main" id="{F9F028FD-E480-9D2F-2A8F-E52F3CA771F0}"/>
               </a:ext>
             </a:extLst>
@@ -4003,7 +4740,7 @@
 </p:sld>
 </file>
 
-<file path=ppt/slides/slide11.xml><?xml version="1.0" encoding="utf-8"?>
+<file path=ppt/slides/slide15.xml><?xml version="1.0" encoding="utf-8"?>
 <p:sld xmlns:a="http://schemas.openxmlformats.org/drawingml/2006/main" xmlns:r="http://schemas.openxmlformats.org/officeDocument/2006/relationships" xmlns:p="http://schemas.openxmlformats.org/presentationml/2006/main">
   <p:cSld>
     <p:spTree>
@@ -4289,7 +5026,7 @@
 </p:sld>
 </file>
 
-<file path=ppt/slides/slide12.xml><?xml version="1.0" encoding="utf-8"?>
+<file path=ppt/slides/slide16.xml><?xml version="1.0" encoding="utf-8"?>
 <p:sld xmlns:a="http://schemas.openxmlformats.org/drawingml/2006/main" xmlns:r="http://schemas.openxmlformats.org/officeDocument/2006/relationships" xmlns:p="http://schemas.openxmlformats.org/presentationml/2006/main">
   <p:cSld>
     <p:spTree>
@@ -4350,7 +5087,7 @@
         <p:spPr>
           <a:xfrm>
             <a:off x="1088571" y="2002971"/>
-            <a:ext cx="9831978" cy="4708981"/>
+            <a:ext cx="9831978" cy="5016758"/>
           </a:xfrm>
           <a:prstGeom prst="rect">
             <a:avLst/>
@@ -4524,7 +5261,7 @@
                   <a:srgbClr val="FF0000"/>
                 </a:solidFill>
               </a:rPr>
-              <a:t>distribution</a:t>
+              <a:t>distribution (if normalization :  resulting vectors will have very different characteristics than actual data)</a:t>
             </a:r>
           </a:p>
           <a:p>
@@ -4546,7 +5283,7 @@
 </p:sld>
 </file>
 
-<file path=ppt/slides/slide13.xml><?xml version="1.0" encoding="utf-8"?>
+<file path=ppt/slides/slide17.xml><?xml version="1.0" encoding="utf-8"?>
 <p:sld xmlns:a="http://schemas.openxmlformats.org/drawingml/2006/main" xmlns:r="http://schemas.openxmlformats.org/officeDocument/2006/relationships" xmlns:p="http://schemas.openxmlformats.org/presentationml/2006/main">
   <p:cSld>
     <p:spTree>
@@ -4584,7 +5321,11 @@
           <a:bodyPr/>
           <a:lstStyle/>
           <a:p>
-            <a:endParaRPr lang="ko-KR" altLang="en-US"/>
+            <a:r>
+              <a:rPr lang="en-US" altLang="ko-KR" dirty="0"/>
+              <a:t>Alternative cluster method?</a:t>
+            </a:r>
+            <a:endParaRPr lang="ko-KR" altLang="en-US" dirty="0"/>
           </a:p>
         </p:txBody>
       </p:sp>
@@ -4610,24 +5351,206 @@
           <a:lstStyle/>
           <a:p>
             <a:r>
+              <a:rPr lang="ko-KR" altLang="en-US" dirty="0"/>
+              <a:t>사실 그럼에도 불구하고 </a:t>
+            </a:r>
+            <a:r>
               <a:rPr lang="en-US" altLang="ko-KR" dirty="0"/>
-              <a:t>Frequency of zeros (</a:t>
+              <a:t>sigma </a:t>
             </a:r>
             <a:r>
               <a:rPr lang="ko-KR" altLang="en-US" dirty="0"/>
-              <a:t>전체</a:t>
+              <a:t>기준으로 </a:t>
             </a:r>
             <a:r>
               <a:rPr lang="en-US" altLang="ko-KR" dirty="0"/>
-              <a:t>, </a:t>
+              <a:t>cluster </a:t>
             </a:r>
             <a:r>
               <a:rPr lang="ko-KR" altLang="en-US" dirty="0"/>
-              <a:t>채널 별</a:t>
+              <a:t>는 됨</a:t>
+            </a:r>
+            <a:r>
+              <a:rPr lang="en-US" altLang="ko-KR" dirty="0"/>
+              <a:t>.. intensity</a:t>
+            </a:r>
+            <a:r>
+              <a:rPr lang="ko-KR" altLang="en-US" dirty="0"/>
+              <a:t>는 나뉘질 않음</a:t>
+            </a:r>
+            <a:r>
+              <a:rPr lang="en-US" altLang="ko-KR" dirty="0"/>
+              <a:t>.</a:t>
+            </a:r>
+          </a:p>
+          <a:p>
+            <a:r>
+              <a:rPr lang="en-US" altLang="ko-KR" dirty="0"/>
+              <a:t>Intensity</a:t>
+            </a:r>
+            <a:r>
+              <a:rPr lang="ko-KR" altLang="en-US" dirty="0"/>
+              <a:t>는 별 변화가 없었으나 </a:t>
+            </a:r>
+            <a:r>
+              <a:rPr lang="en-US" altLang="ko-KR" dirty="0"/>
+              <a:t>sigma</a:t>
+            </a:r>
+            <a:r>
+              <a:rPr lang="ko-KR" altLang="en-US" dirty="0"/>
+              <a:t>는 </a:t>
+            </a:r>
+            <a:r>
+              <a:rPr lang="en-US" altLang="ko-KR" dirty="0"/>
+              <a:t>zero</a:t>
+            </a:r>
+            <a:r>
+              <a:rPr lang="ko-KR" altLang="en-US" dirty="0"/>
+              <a:t> </a:t>
+            </a:r>
+            <a:r>
+              <a:rPr lang="en-US" altLang="ko-KR" dirty="0"/>
+              <a:t>proportion</a:t>
+            </a:r>
+            <a:r>
+              <a:rPr lang="ko-KR" altLang="en-US" dirty="0"/>
+              <a:t>이 높아서 </a:t>
+            </a:r>
+            <a:r>
+              <a:rPr lang="en-US" altLang="ko-KR" dirty="0"/>
+              <a:t>normalization</a:t>
+            </a:r>
+            <a:r>
+              <a:rPr lang="ko-KR" altLang="en-US" dirty="0"/>
+              <a:t>을 적용하였을 때 </a:t>
+            </a:r>
+            <a:r>
+              <a:rPr lang="en-US" altLang="ko-KR" dirty="0"/>
+              <a:t>mean</a:t>
+            </a:r>
+            <a:r>
+              <a:rPr lang="ko-KR" altLang="en-US" dirty="0"/>
+              <a:t>이 굉장히 </a:t>
+            </a:r>
+            <a:r>
+              <a:rPr lang="en-US" altLang="ko-KR" dirty="0"/>
+              <a:t>skewed </a:t>
+            </a:r>
+            <a:r>
+              <a:rPr lang="ko-KR" altLang="en-US" dirty="0"/>
+              <a:t>됨</a:t>
+            </a:r>
+            <a:r>
+              <a:rPr lang="en-US" altLang="ko-KR" dirty="0"/>
+              <a:t>. -&gt; </a:t>
+            </a:r>
+            <a:r>
+              <a:rPr lang="ko-KR" altLang="en-US" dirty="0"/>
+              <a:t>원래의 데이터와 달라짐</a:t>
+            </a:r>
+            <a:r>
+              <a:rPr lang="en-US" altLang="ko-KR" dirty="0"/>
+              <a:t>. </a:t>
+            </a:r>
+          </a:p>
+          <a:p>
+            <a:r>
+              <a:rPr lang="en-US" altLang="ko-KR" dirty="0"/>
+              <a:t>Sigma</a:t>
+            </a:r>
+            <a:r>
+              <a:rPr lang="ko-KR" altLang="en-US" dirty="0"/>
+              <a:t>는 </a:t>
+            </a:r>
+            <a:r>
+              <a:rPr lang="en-US" altLang="ko-KR" dirty="0"/>
+              <a:t>normal distribution</a:t>
+            </a:r>
+            <a:r>
+              <a:rPr lang="ko-KR" altLang="en-US" dirty="0"/>
+              <a:t>을 가정할 수 없는 상태</a:t>
+            </a:r>
+            <a:r>
+              <a:rPr lang="en-US" altLang="ko-KR" dirty="0"/>
+              <a:t>. </a:t>
+            </a:r>
+            <a:r>
+              <a:rPr lang="ko-KR" altLang="en-US" dirty="0"/>
+              <a:t>그렇다면 </a:t>
+            </a:r>
+            <a:r>
+              <a:rPr lang="en-US" altLang="ko-KR" dirty="0"/>
+              <a:t>Gaussian mixture model? (R - </a:t>
+            </a:r>
+            <a:r>
+              <a:rPr lang="en-US" altLang="ko-KR" dirty="0" err="1"/>
+              <a:t>EMCluster</a:t>
             </a:r>
             <a:r>
               <a:rPr lang="en-US" altLang="ko-KR" dirty="0"/>
               <a:t>)</a:t>
+            </a:r>
+          </a:p>
+          <a:p>
+            <a:r>
+              <a:rPr lang="en-US" altLang="ko-KR" dirty="0"/>
+              <a:t>normal distribution</a:t>
+            </a:r>
+            <a:r>
+              <a:rPr lang="ko-KR" altLang="en-US" dirty="0"/>
+              <a:t>을 가정하고 </a:t>
+            </a:r>
+            <a:r>
+              <a:rPr lang="en-US" altLang="ko-KR" dirty="0"/>
+              <a:t>cluster </a:t>
+            </a:r>
+            <a:r>
+              <a:rPr lang="ko-KR" altLang="en-US" dirty="0"/>
+              <a:t>했을 때</a:t>
+            </a:r>
+            <a:r>
+              <a:rPr lang="en-US" altLang="ko-KR" dirty="0"/>
+              <a:t>, mean</a:t>
+            </a:r>
+            <a:r>
+              <a:rPr lang="ko-KR" altLang="en-US" dirty="0"/>
+              <a:t>은 상당히 이상해지지만</a:t>
+            </a:r>
+            <a:r>
+              <a:rPr lang="en-US" altLang="ko-KR" dirty="0"/>
+              <a:t>, 0</a:t>
+            </a:r>
+            <a:r>
+              <a:rPr lang="ko-KR" altLang="en-US" dirty="0"/>
+              <a:t>이 아닌 값들의 </a:t>
+            </a:r>
+            <a:r>
+              <a:rPr lang="en-US" altLang="ko-KR" dirty="0"/>
+              <a:t>distribution</a:t>
+            </a:r>
+            <a:r>
+              <a:rPr lang="ko-KR" altLang="en-US" dirty="0"/>
+              <a:t>은 </a:t>
+            </a:r>
+            <a:r>
+              <a:rPr lang="en-US" altLang="ko-KR" dirty="0"/>
+              <a:t>remain. </a:t>
+            </a:r>
+            <a:r>
+              <a:rPr lang="ko-KR" altLang="en-US" dirty="0"/>
+              <a:t>그냥 이것으로 </a:t>
+            </a:r>
+            <a:r>
+              <a:rPr lang="en-US" altLang="ko-KR" dirty="0"/>
+              <a:t>clustering </a:t>
+            </a:r>
+            <a:r>
+              <a:rPr lang="ko-KR" altLang="en-US" dirty="0"/>
+              <a:t>강행</a:t>
+            </a:r>
+            <a:r>
+              <a:rPr lang="en-US" altLang="ko-KR" dirty="0"/>
+              <a:t>?</a:t>
             </a:r>
             <a:endParaRPr lang="ko-KR" altLang="en-US" dirty="0"/>
           </a:p>
@@ -4646,7 +5569,7 @@
 </p:sld>
 </file>
 
-<file path=ppt/slides/slide14.xml><?xml version="1.0" encoding="utf-8"?>
+<file path=ppt/slides/slide18.xml><?xml version="1.0" encoding="utf-8"?>
 <p:sld xmlns:a="http://schemas.openxmlformats.org/drawingml/2006/main" xmlns:r="http://schemas.openxmlformats.org/officeDocument/2006/relationships" xmlns:p="http://schemas.openxmlformats.org/presentationml/2006/main">
   <p:cSld>
     <p:spTree>
@@ -4859,12 +5782,66 @@
             <p:ph type="body" idx="1"/>
           </p:nvPr>
         </p:nvSpPr>
-        <p:spPr/>
-        <p:txBody>
-          <a:bodyPr/>
-          <a:lstStyle/>
-          <a:p>
-            <a:endParaRPr lang="ko-KR" altLang="en-US"/>
+        <p:spPr>
+          <a:xfrm>
+            <a:off x="831850" y="4589463"/>
+            <a:ext cx="10515600" cy="1821497"/>
+          </a:xfrm>
+        </p:spPr>
+        <p:txBody>
+          <a:bodyPr>
+            <a:normAutofit/>
+          </a:bodyPr>
+          <a:lstStyle/>
+          <a:p>
+            <a:r>
+              <a:rPr lang="en-US" altLang="ko-KR" dirty="0"/>
+              <a:t>PB417_01</a:t>
+            </a:r>
+          </a:p>
+          <a:p>
+            <a:r>
+              <a:rPr lang="pl-PL" altLang="ko-KR" sz="1600" dirty="0"/>
+              <a:t>S1_W1_Px1_Py1_C1</a:t>
+            </a:r>
+            <a:endParaRPr lang="en-US" altLang="ko-KR" sz="1600" dirty="0"/>
+          </a:p>
+          <a:p>
+            <a:r>
+              <a:rPr lang="pl-PL" altLang="ko-KR" sz="1600" dirty="0"/>
+              <a:t>S1_W1_Px1_Py1_C</a:t>
+            </a:r>
+            <a:r>
+              <a:rPr lang="en-US" altLang="ko-KR" sz="1600" dirty="0"/>
+              <a:t>2</a:t>
+            </a:r>
+          </a:p>
+          <a:p>
+            <a:r>
+              <a:rPr lang="pl-PL" altLang="ko-KR" sz="1600" dirty="0"/>
+              <a:t>S1_W1_Px1_Py1_C</a:t>
+            </a:r>
+            <a:r>
+              <a:rPr lang="en-US" altLang="ko-KR" sz="1600" dirty="0"/>
+              <a:t>3</a:t>
+            </a:r>
+          </a:p>
+          <a:p>
+            <a:r>
+              <a:rPr lang="pl-PL" altLang="ko-KR" sz="1600" dirty="0"/>
+              <a:t>S1_W1_Px1_Py1_C</a:t>
+            </a:r>
+            <a:r>
+              <a:rPr lang="en-US" altLang="ko-KR" sz="1600" dirty="0"/>
+              <a:t>4</a:t>
+            </a:r>
+            <a:endParaRPr lang="ko-KR" altLang="en-US" sz="1600" dirty="0"/>
+          </a:p>
+          <a:p>
+            <a:endParaRPr lang="ko-KR" altLang="en-US" sz="1600" dirty="0"/>
+          </a:p>
+          <a:p>
+            <a:endParaRPr lang="ko-KR" altLang="en-US" dirty="0"/>
           </a:p>
         </p:txBody>
       </p:sp>
@@ -5171,6 +6148,326 @@
           <p:cNvPr id="2" name="제목 1">
             <a:extLst>
               <a:ext uri="{FF2B5EF4-FFF2-40B4-BE49-F238E27FC236}">
+                <a16:creationId xmlns:a16="http://schemas.microsoft.com/office/drawing/2014/main" id="{EE159F21-080C-7F12-1DFC-6660DC1F8B96}"/>
+              </a:ext>
+            </a:extLst>
+          </p:cNvPr>
+          <p:cNvSpPr>
+            <a:spLocks noGrp="1"/>
+          </p:cNvSpPr>
+          <p:nvPr>
+            <p:ph type="title"/>
+          </p:nvPr>
+        </p:nvSpPr>
+        <p:spPr/>
+        <p:txBody>
+          <a:bodyPr/>
+          <a:lstStyle/>
+          <a:p>
+            <a:r>
+              <a:rPr lang="en-US" altLang="ko-KR" dirty="0"/>
+              <a:t>Explore</a:t>
+            </a:r>
+            <a:r>
+              <a:rPr lang="ko-KR" altLang="en-US" dirty="0"/>
+              <a:t> </a:t>
+            </a:r>
+            <a:r>
+              <a:rPr lang="en-US" altLang="ko-KR" dirty="0"/>
+              <a:t>Data</a:t>
+            </a:r>
+            <a:r>
+              <a:rPr lang="ko-KR" altLang="en-US" dirty="0"/>
+              <a:t> </a:t>
+            </a:r>
+            <a:r>
+              <a:rPr lang="en-US" altLang="ko-KR" dirty="0"/>
+              <a:t>– Intensity distribution</a:t>
+            </a:r>
+            <a:endParaRPr lang="ko-KR" altLang="en-US" dirty="0"/>
+          </a:p>
+        </p:txBody>
+      </p:sp>
+      <p:sp>
+        <p:nvSpPr>
+          <p:cNvPr id="3" name="내용 개체 틀 2">
+            <a:extLst>
+              <a:ext uri="{FF2B5EF4-FFF2-40B4-BE49-F238E27FC236}">
+                <a16:creationId xmlns:a16="http://schemas.microsoft.com/office/drawing/2014/main" id="{E1F3F8C1-7AB1-5C0B-8F62-0D6486FB2EBB}"/>
+              </a:ext>
+            </a:extLst>
+          </p:cNvPr>
+          <p:cNvSpPr>
+            <a:spLocks noGrp="1"/>
+          </p:cNvSpPr>
+          <p:nvPr>
+            <p:ph idx="1"/>
+          </p:nvPr>
+        </p:nvSpPr>
+        <p:spPr/>
+        <p:txBody>
+          <a:bodyPr/>
+          <a:lstStyle/>
+          <a:p>
+            <a:endParaRPr lang="ko-KR" altLang="en-US"/>
+          </a:p>
+        </p:txBody>
+      </p:sp>
+      <p:pic>
+        <p:nvPicPr>
+          <p:cNvPr id="7" name="그림 6">
+            <a:extLst>
+              <a:ext uri="{FF2B5EF4-FFF2-40B4-BE49-F238E27FC236}">
+                <a16:creationId xmlns:a16="http://schemas.microsoft.com/office/drawing/2014/main" id="{1049E689-80EE-1DC8-8488-2D638CDAB859}"/>
+              </a:ext>
+            </a:extLst>
+          </p:cNvPr>
+          <p:cNvPicPr>
+            <a:picLocks noChangeAspect="1"/>
+          </p:cNvPicPr>
+          <p:nvPr/>
+        </p:nvPicPr>
+        <p:blipFill>
+          <a:blip r:embed="rId2"/>
+          <a:stretch>
+            <a:fillRect/>
+          </a:stretch>
+        </p:blipFill>
+        <p:spPr>
+          <a:xfrm>
+            <a:off x="0" y="1559799"/>
+            <a:ext cx="6096000" cy="5298201"/>
+          </a:xfrm>
+          <a:prstGeom prst="rect">
+            <a:avLst/>
+          </a:prstGeom>
+        </p:spPr>
+      </p:pic>
+      <p:pic>
+        <p:nvPicPr>
+          <p:cNvPr id="9" name="그림 8">
+            <a:extLst>
+              <a:ext uri="{FF2B5EF4-FFF2-40B4-BE49-F238E27FC236}">
+                <a16:creationId xmlns:a16="http://schemas.microsoft.com/office/drawing/2014/main" id="{45A5DB83-223C-C2AA-524F-EDF21E04CB6D}"/>
+              </a:ext>
+            </a:extLst>
+          </p:cNvPr>
+          <p:cNvPicPr>
+            <a:picLocks noChangeAspect="1"/>
+          </p:cNvPicPr>
+          <p:nvPr/>
+        </p:nvPicPr>
+        <p:blipFill>
+          <a:blip r:embed="rId3"/>
+          <a:stretch>
+            <a:fillRect/>
+          </a:stretch>
+        </p:blipFill>
+        <p:spPr>
+          <a:xfrm>
+            <a:off x="6095479" y="1690688"/>
+            <a:ext cx="6096522" cy="5165566"/>
+          </a:xfrm>
+          <a:prstGeom prst="rect">
+            <a:avLst/>
+          </a:prstGeom>
+        </p:spPr>
+      </p:pic>
+    </p:spTree>
+    <p:extLst>
+      <p:ext uri="{BB962C8B-B14F-4D97-AF65-F5344CB8AC3E}">
+        <p14:creationId xmlns:p14="http://schemas.microsoft.com/office/powerpoint/2010/main" val="1445236592"/>
+      </p:ext>
+    </p:extLst>
+  </p:cSld>
+  <p:clrMapOvr>
+    <a:masterClrMapping/>
+  </p:clrMapOvr>
+</p:sld>
+</file>
+
+<file path=ppt/slides/slide6.xml><?xml version="1.0" encoding="utf-8"?>
+<p:sld xmlns:a="http://schemas.openxmlformats.org/drawingml/2006/main" xmlns:r="http://schemas.openxmlformats.org/officeDocument/2006/relationships" xmlns:p="http://schemas.openxmlformats.org/presentationml/2006/main">
+  <p:cSld>
+    <p:spTree>
+      <p:nvGrpSpPr>
+        <p:cNvPr id="1" name=""/>
+        <p:cNvGrpSpPr/>
+        <p:nvPr/>
+      </p:nvGrpSpPr>
+      <p:grpSpPr>
+        <a:xfrm>
+          <a:off x="0" y="0"/>
+          <a:ext cx="0" cy="0"/>
+          <a:chOff x="0" y="0"/>
+          <a:chExt cx="0" cy="0"/>
+        </a:xfrm>
+      </p:grpSpPr>
+      <p:sp>
+        <p:nvSpPr>
+          <p:cNvPr id="2" name="제목 1">
+            <a:extLst>
+              <a:ext uri="{FF2B5EF4-FFF2-40B4-BE49-F238E27FC236}">
+                <a16:creationId xmlns:a16="http://schemas.microsoft.com/office/drawing/2014/main" id="{EE159F21-080C-7F12-1DFC-6660DC1F8B96}"/>
+              </a:ext>
+            </a:extLst>
+          </p:cNvPr>
+          <p:cNvSpPr>
+            <a:spLocks noGrp="1"/>
+          </p:cNvSpPr>
+          <p:nvPr>
+            <p:ph type="title"/>
+          </p:nvPr>
+        </p:nvSpPr>
+        <p:spPr/>
+        <p:txBody>
+          <a:bodyPr/>
+          <a:lstStyle/>
+          <a:p>
+            <a:r>
+              <a:rPr lang="en-US" altLang="ko-KR" dirty="0"/>
+              <a:t>Explore</a:t>
+            </a:r>
+            <a:r>
+              <a:rPr lang="ko-KR" altLang="en-US" dirty="0"/>
+              <a:t> </a:t>
+            </a:r>
+            <a:r>
+              <a:rPr lang="en-US" altLang="ko-KR" dirty="0"/>
+              <a:t>Data</a:t>
+            </a:r>
+            <a:r>
+              <a:rPr lang="ko-KR" altLang="en-US" dirty="0"/>
+              <a:t> </a:t>
+            </a:r>
+            <a:r>
+              <a:rPr lang="en-US" altLang="ko-KR" dirty="0"/>
+              <a:t>– Sigma distribution</a:t>
+            </a:r>
+            <a:endParaRPr lang="ko-KR" altLang="en-US" dirty="0"/>
+          </a:p>
+        </p:txBody>
+      </p:sp>
+      <p:sp>
+        <p:nvSpPr>
+          <p:cNvPr id="3" name="내용 개체 틀 2">
+            <a:extLst>
+              <a:ext uri="{FF2B5EF4-FFF2-40B4-BE49-F238E27FC236}">
+                <a16:creationId xmlns:a16="http://schemas.microsoft.com/office/drawing/2014/main" id="{E1F3F8C1-7AB1-5C0B-8F62-0D6486FB2EBB}"/>
+              </a:ext>
+            </a:extLst>
+          </p:cNvPr>
+          <p:cNvSpPr>
+            <a:spLocks noGrp="1"/>
+          </p:cNvSpPr>
+          <p:nvPr>
+            <p:ph idx="1"/>
+          </p:nvPr>
+        </p:nvSpPr>
+        <p:spPr/>
+        <p:txBody>
+          <a:bodyPr/>
+          <a:lstStyle/>
+          <a:p>
+            <a:endParaRPr lang="ko-KR" altLang="en-US"/>
+          </a:p>
+        </p:txBody>
+      </p:sp>
+      <p:pic>
+        <p:nvPicPr>
+          <p:cNvPr id="5" name="그림 4">
+            <a:extLst>
+              <a:ext uri="{FF2B5EF4-FFF2-40B4-BE49-F238E27FC236}">
+                <a16:creationId xmlns:a16="http://schemas.microsoft.com/office/drawing/2014/main" id="{BFBCBC78-6106-A748-6AA1-799071FE15FB}"/>
+              </a:ext>
+            </a:extLst>
+          </p:cNvPr>
+          <p:cNvPicPr>
+            <a:picLocks noChangeAspect="1"/>
+          </p:cNvPicPr>
+          <p:nvPr/>
+        </p:nvPicPr>
+        <p:blipFill>
+          <a:blip r:embed="rId2"/>
+          <a:stretch>
+            <a:fillRect/>
+          </a:stretch>
+        </p:blipFill>
+        <p:spPr>
+          <a:xfrm>
+            <a:off x="0" y="1855410"/>
+            <a:ext cx="6096000" cy="5002590"/>
+          </a:xfrm>
+          <a:prstGeom prst="rect">
+            <a:avLst/>
+          </a:prstGeom>
+        </p:spPr>
+      </p:pic>
+      <p:pic>
+        <p:nvPicPr>
+          <p:cNvPr id="8" name="그림 7">
+            <a:extLst>
+              <a:ext uri="{FF2B5EF4-FFF2-40B4-BE49-F238E27FC236}">
+                <a16:creationId xmlns:a16="http://schemas.microsoft.com/office/drawing/2014/main" id="{40DA8B1C-3611-8A41-AD16-F7B193BA4E2B}"/>
+              </a:ext>
+            </a:extLst>
+          </p:cNvPr>
+          <p:cNvPicPr>
+            <a:picLocks noChangeAspect="1"/>
+          </p:cNvPicPr>
+          <p:nvPr/>
+        </p:nvPicPr>
+        <p:blipFill>
+          <a:blip r:embed="rId3"/>
+          <a:stretch>
+            <a:fillRect/>
+          </a:stretch>
+        </p:blipFill>
+        <p:spPr>
+          <a:xfrm>
+            <a:off x="6096000" y="1855410"/>
+            <a:ext cx="6096000" cy="5002590"/>
+          </a:xfrm>
+          <a:prstGeom prst="rect">
+            <a:avLst/>
+          </a:prstGeom>
+        </p:spPr>
+      </p:pic>
+    </p:spTree>
+    <p:extLst>
+      <p:ext uri="{BB962C8B-B14F-4D97-AF65-F5344CB8AC3E}">
+        <p14:creationId xmlns:p14="http://schemas.microsoft.com/office/powerpoint/2010/main" val="2078261401"/>
+      </p:ext>
+    </p:extLst>
+  </p:cSld>
+  <p:clrMapOvr>
+    <a:masterClrMapping/>
+  </p:clrMapOvr>
+</p:sld>
+</file>
+
+<file path=ppt/slides/slide7.xml><?xml version="1.0" encoding="utf-8"?>
+<p:sld xmlns:a="http://schemas.openxmlformats.org/drawingml/2006/main" xmlns:r="http://schemas.openxmlformats.org/officeDocument/2006/relationships" xmlns:p="http://schemas.openxmlformats.org/presentationml/2006/main">
+  <p:cSld>
+    <p:spTree>
+      <p:nvGrpSpPr>
+        <p:cNvPr id="1" name=""/>
+        <p:cNvGrpSpPr/>
+        <p:nvPr/>
+      </p:nvGrpSpPr>
+      <p:grpSpPr>
+        <a:xfrm>
+          <a:off x="0" y="0"/>
+          <a:ext cx="0" cy="0"/>
+          <a:chOff x="0" y="0"/>
+          <a:chExt cx="0" cy="0"/>
+        </a:xfrm>
+      </p:grpSpPr>
+      <p:sp>
+        <p:nvSpPr>
+          <p:cNvPr id="2" name="제목 1">
+            <a:extLst>
+              <a:ext uri="{FF2B5EF4-FFF2-40B4-BE49-F238E27FC236}">
                 <a16:creationId xmlns:a16="http://schemas.microsoft.com/office/drawing/2014/main" id="{58C47A4C-0BB1-AD7D-2DFC-4EA7FCFF311D}"/>
               </a:ext>
             </a:extLst>
@@ -5240,10 +6537,18 @@
           <a:lstStyle/>
           <a:p>
             <a:r>
-              <a:rPr lang="en-US" altLang="ko-KR" dirty="0"/>
+              <a:rPr lang="en-US" altLang="ko-KR" dirty="0">
+                <a:solidFill>
+                  <a:srgbClr val="FF0000"/>
+                </a:solidFill>
+              </a:rPr>
               <a:t>Sigma &gt; 0</a:t>
             </a:r>
-            <a:endParaRPr lang="ko-KR" altLang="en-US" dirty="0"/>
+            <a:endParaRPr lang="ko-KR" altLang="en-US" dirty="0">
+              <a:solidFill>
+                <a:srgbClr val="FF0000"/>
+              </a:solidFill>
+            </a:endParaRPr>
           </a:p>
         </p:txBody>
       </p:sp>
@@ -5320,7 +6625,7 @@
 </p:sld>
 </file>
 
-<file path=ppt/slides/slide6.xml><?xml version="1.0" encoding="utf-8"?>
+<file path=ppt/slides/slide8.xml><?xml version="1.0" encoding="utf-8"?>
 <p:sld xmlns:a="http://schemas.openxmlformats.org/drawingml/2006/main" xmlns:r="http://schemas.openxmlformats.org/officeDocument/2006/relationships" xmlns:p="http://schemas.openxmlformats.org/presentationml/2006/main">
   <p:cSld>
     <p:spTree>
@@ -5473,10 +6778,18 @@
           <a:lstStyle/>
           <a:p>
             <a:r>
-              <a:rPr lang="en-US" altLang="ko-KR" dirty="0"/>
+              <a:rPr lang="en-US" altLang="ko-KR" dirty="0">
+                <a:solidFill>
+                  <a:srgbClr val="FF0000"/>
+                </a:solidFill>
+              </a:rPr>
               <a:t>Sigma &gt; 0</a:t>
             </a:r>
-            <a:endParaRPr lang="ko-KR" altLang="en-US" dirty="0"/>
+            <a:endParaRPr lang="ko-KR" altLang="en-US" dirty="0">
+              <a:solidFill>
+                <a:srgbClr val="FF0000"/>
+              </a:solidFill>
+            </a:endParaRPr>
           </a:p>
         </p:txBody>
       </p:sp>
@@ -5484,348 +6797,6 @@
     <p:extLst>
       <p:ext uri="{BB962C8B-B14F-4D97-AF65-F5344CB8AC3E}">
         <p14:creationId xmlns:p14="http://schemas.microsoft.com/office/powerpoint/2010/main" val="2783360439"/>
-      </p:ext>
-    </p:extLst>
-  </p:cSld>
-  <p:clrMapOvr>
-    <a:masterClrMapping/>
-  </p:clrMapOvr>
-</p:sld>
-</file>
-
-<file path=ppt/slides/slide7.xml><?xml version="1.0" encoding="utf-8"?>
-<p:sld xmlns:a="http://schemas.openxmlformats.org/drawingml/2006/main" xmlns:r="http://schemas.openxmlformats.org/officeDocument/2006/relationships" xmlns:p="http://schemas.openxmlformats.org/presentationml/2006/main">
-  <p:cSld>
-    <p:spTree>
-      <p:nvGrpSpPr>
-        <p:cNvPr id="1" name=""/>
-        <p:cNvGrpSpPr/>
-        <p:nvPr/>
-      </p:nvGrpSpPr>
-      <p:grpSpPr>
-        <a:xfrm>
-          <a:off x="0" y="0"/>
-          <a:ext cx="0" cy="0"/>
-          <a:chOff x="0" y="0"/>
-          <a:chExt cx="0" cy="0"/>
-        </a:xfrm>
-      </p:grpSpPr>
-      <p:sp>
-        <p:nvSpPr>
-          <p:cNvPr id="2" name="제목 1">
-            <a:extLst>
-              <a:ext uri="{FF2B5EF4-FFF2-40B4-BE49-F238E27FC236}">
-                <a16:creationId xmlns:a16="http://schemas.microsoft.com/office/drawing/2014/main" id="{58C47A4C-0BB1-AD7D-2DFC-4EA7FCFF311D}"/>
-              </a:ext>
-            </a:extLst>
-          </p:cNvPr>
-          <p:cNvSpPr>
-            <a:spLocks noGrp="1"/>
-          </p:cNvSpPr>
-          <p:nvPr>
-            <p:ph type="title"/>
-          </p:nvPr>
-        </p:nvSpPr>
-        <p:spPr/>
-        <p:txBody>
-          <a:bodyPr/>
-          <a:lstStyle/>
-          <a:p>
-            <a:r>
-              <a:rPr lang="en-US" altLang="ko-KR" dirty="0"/>
-              <a:t>Explore</a:t>
-            </a:r>
-            <a:r>
-              <a:rPr lang="ko-KR" altLang="en-US" dirty="0"/>
-              <a:t> </a:t>
-            </a:r>
-            <a:r>
-              <a:rPr lang="en-US" altLang="ko-KR" dirty="0"/>
-              <a:t>Data</a:t>
-            </a:r>
-            <a:r>
-              <a:rPr lang="ko-KR" altLang="en-US" dirty="0"/>
-              <a:t> </a:t>
-            </a:r>
-            <a:r>
-              <a:rPr lang="en-US" altLang="ko-KR" dirty="0"/>
-              <a:t>– Intensity distribution</a:t>
-            </a:r>
-            <a:endParaRPr lang="ko-KR" altLang="en-US" dirty="0"/>
-          </a:p>
-        </p:txBody>
-      </p:sp>
-      <p:sp>
-        <p:nvSpPr>
-          <p:cNvPr id="6" name="TextBox 5">
-            <a:extLst>
-              <a:ext uri="{FF2B5EF4-FFF2-40B4-BE49-F238E27FC236}">
-                <a16:creationId xmlns:a16="http://schemas.microsoft.com/office/drawing/2014/main" id="{6A81C7DF-024C-D1AF-739B-A6A392E3FAA2}"/>
-              </a:ext>
-            </a:extLst>
-          </p:cNvPr>
-          <p:cNvSpPr txBox="1"/>
-          <p:nvPr/>
-        </p:nvSpPr>
-        <p:spPr>
-          <a:xfrm>
-            <a:off x="4561332" y="1316126"/>
-            <a:ext cx="3069336" cy="400110"/>
-          </a:xfrm>
-          <a:prstGeom prst="rect">
-            <a:avLst/>
-          </a:prstGeom>
-          <a:noFill/>
-        </p:spPr>
-        <p:txBody>
-          <a:bodyPr wrap="square" rtlCol="0">
-            <a:spAutoFit/>
-          </a:bodyPr>
-          <a:lstStyle/>
-          <a:p>
-            <a:r>
-              <a:rPr lang="en-US" altLang="ko-KR" sz="2000" b="1" dirty="0">
-                <a:solidFill>
-                  <a:srgbClr val="FF0000"/>
-                </a:solidFill>
-              </a:rPr>
-              <a:t>After Normalization</a:t>
-            </a:r>
-            <a:endParaRPr lang="ko-KR" altLang="en-US" sz="2000" b="1" dirty="0">
-              <a:solidFill>
-                <a:srgbClr val="FF0000"/>
-              </a:solidFill>
-            </a:endParaRPr>
-          </a:p>
-        </p:txBody>
-      </p:sp>
-      <p:pic>
-        <p:nvPicPr>
-          <p:cNvPr id="13" name="그림 12">
-            <a:extLst>
-              <a:ext uri="{FF2B5EF4-FFF2-40B4-BE49-F238E27FC236}">
-                <a16:creationId xmlns:a16="http://schemas.microsoft.com/office/drawing/2014/main" id="{23DB9B72-D757-B0D8-5F52-4FE466CF5905}"/>
-              </a:ext>
-            </a:extLst>
-          </p:cNvPr>
-          <p:cNvPicPr>
-            <a:picLocks noChangeAspect="1"/>
-          </p:cNvPicPr>
-          <p:nvPr/>
-        </p:nvPicPr>
-        <p:blipFill>
-          <a:blip r:embed="rId2"/>
-          <a:stretch>
-            <a:fillRect/>
-          </a:stretch>
-        </p:blipFill>
-        <p:spPr>
-          <a:xfrm>
-            <a:off x="1" y="1716236"/>
-            <a:ext cx="6096002" cy="5141764"/>
-          </a:xfrm>
-          <a:prstGeom prst="rect">
-            <a:avLst/>
-          </a:prstGeom>
-        </p:spPr>
-      </p:pic>
-      <p:pic>
-        <p:nvPicPr>
-          <p:cNvPr id="15" name="그림 14">
-            <a:extLst>
-              <a:ext uri="{FF2B5EF4-FFF2-40B4-BE49-F238E27FC236}">
-                <a16:creationId xmlns:a16="http://schemas.microsoft.com/office/drawing/2014/main" id="{E991FE14-53F4-9CF6-1D1B-1A7F69292F5E}"/>
-              </a:ext>
-            </a:extLst>
-          </p:cNvPr>
-          <p:cNvPicPr>
-            <a:picLocks noChangeAspect="1"/>
-          </p:cNvPicPr>
-          <p:nvPr/>
-        </p:nvPicPr>
-        <p:blipFill>
-          <a:blip r:embed="rId3"/>
-          <a:stretch>
-            <a:fillRect/>
-          </a:stretch>
-        </p:blipFill>
-        <p:spPr>
-          <a:xfrm>
-            <a:off x="6095997" y="1716236"/>
-            <a:ext cx="6096002" cy="5141764"/>
-          </a:xfrm>
-          <a:prstGeom prst="rect">
-            <a:avLst/>
-          </a:prstGeom>
-        </p:spPr>
-      </p:pic>
-    </p:spTree>
-    <p:extLst>
-      <p:ext uri="{BB962C8B-B14F-4D97-AF65-F5344CB8AC3E}">
-        <p14:creationId xmlns:p14="http://schemas.microsoft.com/office/powerpoint/2010/main" val="891137179"/>
-      </p:ext>
-    </p:extLst>
-  </p:cSld>
-  <p:clrMapOvr>
-    <a:masterClrMapping/>
-  </p:clrMapOvr>
-</p:sld>
-</file>
-
-<file path=ppt/slides/slide8.xml><?xml version="1.0" encoding="utf-8"?>
-<p:sld xmlns:a="http://schemas.openxmlformats.org/drawingml/2006/main" xmlns:r="http://schemas.openxmlformats.org/officeDocument/2006/relationships" xmlns:p="http://schemas.openxmlformats.org/presentationml/2006/main">
-  <p:cSld>
-    <p:spTree>
-      <p:nvGrpSpPr>
-        <p:cNvPr id="1" name=""/>
-        <p:cNvGrpSpPr/>
-        <p:nvPr/>
-      </p:nvGrpSpPr>
-      <p:grpSpPr>
-        <a:xfrm>
-          <a:off x="0" y="0"/>
-          <a:ext cx="0" cy="0"/>
-          <a:chOff x="0" y="0"/>
-          <a:chExt cx="0" cy="0"/>
-        </a:xfrm>
-      </p:grpSpPr>
-      <p:sp>
-        <p:nvSpPr>
-          <p:cNvPr id="2" name="제목 1">
-            <a:extLst>
-              <a:ext uri="{FF2B5EF4-FFF2-40B4-BE49-F238E27FC236}">
-                <a16:creationId xmlns:a16="http://schemas.microsoft.com/office/drawing/2014/main" id="{BBCE4BC2-4507-676A-607B-58A2B540FF5A}"/>
-              </a:ext>
-            </a:extLst>
-          </p:cNvPr>
-          <p:cNvSpPr>
-            <a:spLocks noGrp="1"/>
-          </p:cNvSpPr>
-          <p:nvPr>
-            <p:ph type="title"/>
-          </p:nvPr>
-        </p:nvSpPr>
-        <p:spPr/>
-        <p:txBody>
-          <a:bodyPr/>
-          <a:lstStyle/>
-          <a:p>
-            <a:r>
-              <a:rPr lang="en-US" altLang="ko-KR" dirty="0"/>
-              <a:t>Explore Data – Sigma distribution</a:t>
-            </a:r>
-            <a:endParaRPr lang="ko-KR" altLang="en-US" dirty="0"/>
-          </a:p>
-        </p:txBody>
-      </p:sp>
-      <p:pic>
-        <p:nvPicPr>
-          <p:cNvPr id="5" name="그림 4">
-            <a:extLst>
-              <a:ext uri="{FF2B5EF4-FFF2-40B4-BE49-F238E27FC236}">
-                <a16:creationId xmlns:a16="http://schemas.microsoft.com/office/drawing/2014/main" id="{1334A6FA-94C3-F3A4-6D00-A6C94D54025C}"/>
-              </a:ext>
-            </a:extLst>
-          </p:cNvPr>
-          <p:cNvPicPr>
-            <a:picLocks noChangeAspect="1"/>
-          </p:cNvPicPr>
-          <p:nvPr/>
-        </p:nvPicPr>
-        <p:blipFill>
-          <a:blip r:embed="rId2"/>
-          <a:stretch>
-            <a:fillRect/>
-          </a:stretch>
-        </p:blipFill>
-        <p:spPr>
-          <a:xfrm>
-            <a:off x="0" y="1716238"/>
-            <a:ext cx="6096000" cy="5141762"/>
-          </a:xfrm>
-          <a:prstGeom prst="rect">
-            <a:avLst/>
-          </a:prstGeom>
-        </p:spPr>
-      </p:pic>
-      <p:sp>
-        <p:nvSpPr>
-          <p:cNvPr id="6" name="TextBox 5">
-            <a:extLst>
-              <a:ext uri="{FF2B5EF4-FFF2-40B4-BE49-F238E27FC236}">
-                <a16:creationId xmlns:a16="http://schemas.microsoft.com/office/drawing/2014/main" id="{3DC55172-3DEA-2C72-04C5-7F40EB13FA74}"/>
-              </a:ext>
-            </a:extLst>
-          </p:cNvPr>
-          <p:cNvSpPr txBox="1"/>
-          <p:nvPr/>
-        </p:nvSpPr>
-        <p:spPr>
-          <a:xfrm>
-            <a:off x="4561332" y="1316126"/>
-            <a:ext cx="3069336" cy="400110"/>
-          </a:xfrm>
-          <a:prstGeom prst="rect">
-            <a:avLst/>
-          </a:prstGeom>
-          <a:noFill/>
-        </p:spPr>
-        <p:txBody>
-          <a:bodyPr wrap="square" rtlCol="0">
-            <a:spAutoFit/>
-          </a:bodyPr>
-          <a:lstStyle/>
-          <a:p>
-            <a:r>
-              <a:rPr lang="en-US" altLang="ko-KR" sz="2000" b="1" dirty="0">
-                <a:solidFill>
-                  <a:srgbClr val="FF0000"/>
-                </a:solidFill>
-              </a:rPr>
-              <a:t>After Normalization</a:t>
-            </a:r>
-            <a:endParaRPr lang="ko-KR" altLang="en-US" sz="2000" b="1" dirty="0">
-              <a:solidFill>
-                <a:srgbClr val="FF0000"/>
-              </a:solidFill>
-            </a:endParaRPr>
-          </a:p>
-        </p:txBody>
-      </p:sp>
-      <p:pic>
-        <p:nvPicPr>
-          <p:cNvPr id="8" name="그림 7">
-            <a:extLst>
-              <a:ext uri="{FF2B5EF4-FFF2-40B4-BE49-F238E27FC236}">
-                <a16:creationId xmlns:a16="http://schemas.microsoft.com/office/drawing/2014/main" id="{6C752F65-95C5-B935-3558-455385BF2CE6}"/>
-              </a:ext>
-            </a:extLst>
-          </p:cNvPr>
-          <p:cNvPicPr>
-            <a:picLocks noChangeAspect="1"/>
-          </p:cNvPicPr>
-          <p:nvPr/>
-        </p:nvPicPr>
-        <p:blipFill>
-          <a:blip r:embed="rId3"/>
-          <a:stretch>
-            <a:fillRect/>
-          </a:stretch>
-        </p:blipFill>
-        <p:spPr>
-          <a:xfrm>
-            <a:off x="6095998" y="1716236"/>
-            <a:ext cx="6096002" cy="5141764"/>
-          </a:xfrm>
-          <a:prstGeom prst="rect">
-            <a:avLst/>
-          </a:prstGeom>
-        </p:spPr>
-      </p:pic>
-    </p:spTree>
-    <p:extLst>
-      <p:ext uri="{BB962C8B-B14F-4D97-AF65-F5344CB8AC3E}">
-        <p14:creationId xmlns:p14="http://schemas.microsoft.com/office/powerpoint/2010/main" val="2262074714"/>
       </p:ext>
     </p:extLst>
   </p:cSld>
@@ -5857,7 +6828,7 @@
           <p:cNvPr id="2" name="제목 1">
             <a:extLst>
               <a:ext uri="{FF2B5EF4-FFF2-40B4-BE49-F238E27FC236}">
-                <a16:creationId xmlns:a16="http://schemas.microsoft.com/office/drawing/2014/main" id="{F9F028FD-E480-9D2F-2A8F-E52F3CA771F0}"/>
+                <a16:creationId xmlns:a16="http://schemas.microsoft.com/office/drawing/2014/main" id="{58C47A4C-0BB1-AD7D-2DFC-4EA7FCFF311D}"/>
               </a:ext>
             </a:extLst>
           </p:cNvPr>
@@ -5875,7 +6846,23 @@
           <a:p>
             <a:r>
               <a:rPr lang="en-US" altLang="ko-KR" dirty="0"/>
-              <a:t>Cluster Analysis - Model</a:t>
+              <a:t>Explore</a:t>
+            </a:r>
+            <a:r>
+              <a:rPr lang="ko-KR" altLang="en-US" dirty="0"/>
+              <a:t> </a:t>
+            </a:r>
+            <a:r>
+              <a:rPr lang="en-US" altLang="ko-KR" dirty="0"/>
+              <a:t>Data</a:t>
+            </a:r>
+            <a:r>
+              <a:rPr lang="ko-KR" altLang="en-US" dirty="0"/>
+              <a:t> </a:t>
+            </a:r>
+            <a:r>
+              <a:rPr lang="en-US" altLang="ko-KR" dirty="0"/>
+              <a:t>– Intensity distribution</a:t>
             </a:r>
             <a:endParaRPr lang="ko-KR" altLang="en-US" dirty="0"/>
           </a:p>
@@ -5886,7 +6873,7 @@
           <p:cNvPr id="3" name="TextBox 2">
             <a:extLst>
               <a:ext uri="{FF2B5EF4-FFF2-40B4-BE49-F238E27FC236}">
-                <a16:creationId xmlns:a16="http://schemas.microsoft.com/office/drawing/2014/main" id="{D7EFC464-AD66-ADDE-7126-748982DB468A}"/>
+                <a16:creationId xmlns:a16="http://schemas.microsoft.com/office/drawing/2014/main" id="{3C08F6ED-C5EC-A3D7-69D9-0E0BA8A4158A}"/>
               </a:ext>
             </a:extLst>
           </p:cNvPr>
@@ -5895,8 +6882,8 @@
         </p:nvSpPr>
         <p:spPr>
           <a:xfrm>
-            <a:off x="1088571" y="2002971"/>
-            <a:ext cx="9831978" cy="2862322"/>
+            <a:off x="4408929" y="1336745"/>
+            <a:ext cx="3069336" cy="400110"/>
           </a:xfrm>
           <a:prstGeom prst="rect">
             <a:avLst/>
@@ -5909,86 +6896,82 @@
           </a:bodyPr>
           <a:lstStyle/>
           <a:p>
-            <a:pPr marL="342900" indent="-342900">
-              <a:buAutoNum type="arabicPeriod"/>
-            </a:pPr>
-            <a:r>
-              <a:rPr lang="en-US" altLang="ko-KR" sz="2000" dirty="0"/>
-              <a:t>Normalized data</a:t>
-            </a:r>
-          </a:p>
-          <a:p>
-            <a:pPr marL="342900" indent="-342900">
-              <a:buAutoNum type="arabicPeriod"/>
-            </a:pPr>
-            <a:endParaRPr lang="en-US" altLang="ko-KR" sz="2000" dirty="0"/>
-          </a:p>
-          <a:p>
-            <a:pPr marL="342900" indent="-342900">
-              <a:buAutoNum type="arabicPeriod"/>
-            </a:pPr>
-            <a:r>
-              <a:rPr lang="en-US" altLang="ko-KR" sz="2000" dirty="0"/>
-              <a:t>Euclidean distance</a:t>
-            </a:r>
-          </a:p>
-          <a:p>
-            <a:pPr marL="800100" lvl="1" indent="-342900">
-              <a:buFontTx/>
-              <a:buChar char="-"/>
-            </a:pPr>
-            <a:r>
-              <a:rPr lang="en-US" altLang="ko-KR" sz="2000" dirty="0"/>
-              <a:t>Observation with certain values of features will be clustered together</a:t>
-            </a:r>
-          </a:p>
-          <a:p>
-            <a:pPr marL="800100" lvl="1" indent="-342900">
-              <a:buFontTx/>
-              <a:buChar char="-"/>
-            </a:pPr>
-            <a:r>
-              <a:rPr lang="en-US" altLang="ko-KR" sz="2000" dirty="0">
+            <a:pPr algn="ctr"/>
+            <a:r>
+              <a:rPr lang="en-US" altLang="ko-KR" sz="2000" b="1" dirty="0">
                 <a:solidFill>
-                  <a:schemeClr val="bg2">
-                    <a:lumMod val="75000"/>
-                  </a:schemeClr>
+                  <a:srgbClr val="FF0000"/>
                 </a:solidFill>
               </a:rPr>
-              <a:t>Correlation based distance methods (e.g. Pearson corr. Spearman corr.) identify clusters of observation regardless of their magnitude</a:t>
-            </a:r>
-          </a:p>
-          <a:p>
-            <a:pPr marL="342900" indent="-342900">
-              <a:buAutoNum type="arabicPeriod"/>
-            </a:pPr>
-            <a:endParaRPr lang="en-US" altLang="ko-KR" sz="2000" dirty="0"/>
-          </a:p>
-          <a:p>
-            <a:pPr marL="342900" indent="-342900">
-              <a:buAutoNum type="arabicPeriod"/>
-            </a:pPr>
-            <a:r>
-              <a:rPr lang="en-US" altLang="ko-KR" sz="2000" dirty="0"/>
-              <a:t>K-means clustering</a:t>
-            </a:r>
-          </a:p>
-          <a:p>
-            <a:pPr marL="800100" lvl="1" indent="-342900">
-              <a:buFontTx/>
-              <a:buChar char="-"/>
-            </a:pPr>
-            <a:r>
-              <a:rPr lang="en-US" altLang="ko-KR" sz="2000" dirty="0"/>
-              <a:t>Most common clustering method</a:t>
-            </a:r>
-          </a:p>
-        </p:txBody>
-      </p:sp>
+              <a:t>After Normalization</a:t>
+            </a:r>
+          </a:p>
+        </p:txBody>
+      </p:sp>
+      <p:pic>
+        <p:nvPicPr>
+          <p:cNvPr id="5" name="그림 4">
+            <a:extLst>
+              <a:ext uri="{FF2B5EF4-FFF2-40B4-BE49-F238E27FC236}">
+                <a16:creationId xmlns:a16="http://schemas.microsoft.com/office/drawing/2014/main" id="{BF9730FE-A33D-3E8F-8133-2734C00F6048}"/>
+              </a:ext>
+            </a:extLst>
+          </p:cNvPr>
+          <p:cNvPicPr>
+            <a:picLocks noChangeAspect="1"/>
+          </p:cNvPicPr>
+          <p:nvPr/>
+        </p:nvPicPr>
+        <p:blipFill>
+          <a:blip r:embed="rId2"/>
+          <a:stretch>
+            <a:fillRect/>
+          </a:stretch>
+        </p:blipFill>
+        <p:spPr>
+          <a:xfrm>
+            <a:off x="0" y="1855411"/>
+            <a:ext cx="6096000" cy="5002590"/>
+          </a:xfrm>
+          <a:prstGeom prst="rect">
+            <a:avLst/>
+          </a:prstGeom>
+        </p:spPr>
+      </p:pic>
+      <p:pic>
+        <p:nvPicPr>
+          <p:cNvPr id="7" name="그림 6">
+            <a:extLst>
+              <a:ext uri="{FF2B5EF4-FFF2-40B4-BE49-F238E27FC236}">
+                <a16:creationId xmlns:a16="http://schemas.microsoft.com/office/drawing/2014/main" id="{6AFECF8B-02D9-15D1-3D76-023C38A1C46E}"/>
+              </a:ext>
+            </a:extLst>
+          </p:cNvPr>
+          <p:cNvPicPr>
+            <a:picLocks noChangeAspect="1"/>
+          </p:cNvPicPr>
+          <p:nvPr/>
+        </p:nvPicPr>
+        <p:blipFill>
+          <a:blip r:embed="rId3"/>
+          <a:stretch>
+            <a:fillRect/>
+          </a:stretch>
+        </p:blipFill>
+        <p:spPr>
+          <a:xfrm>
+            <a:off x="6096000" y="1855411"/>
+            <a:ext cx="6096000" cy="5002590"/>
+          </a:xfrm>
+          <a:prstGeom prst="rect">
+            <a:avLst/>
+          </a:prstGeom>
+        </p:spPr>
+      </p:pic>
     </p:spTree>
     <p:extLst>
       <p:ext uri="{BB962C8B-B14F-4D97-AF65-F5344CB8AC3E}">
-        <p14:creationId xmlns:p14="http://schemas.microsoft.com/office/powerpoint/2010/main" val="2785510413"/>
+        <p14:creationId xmlns:p14="http://schemas.microsoft.com/office/powerpoint/2010/main" val="631215476"/>
       </p:ext>
     </p:extLst>
   </p:cSld>

--- a/Progress Update/20221115_Progress Update.pptx
+++ b/Progress Update/20221115_Progress Update.pptx
@@ -5,27 +5,29 @@
     <p:sldMasterId id="2147483648" r:id="rId1"/>
   </p:sldMasterIdLst>
   <p:notesMasterIdLst>
-    <p:notesMasterId r:id="rId20"/>
+    <p:notesMasterId r:id="rId22"/>
   </p:notesMasterIdLst>
   <p:sldIdLst>
     <p:sldId id="256" r:id="rId2"/>
     <p:sldId id="279" r:id="rId3"/>
     <p:sldId id="271" r:id="rId4"/>
     <p:sldId id="273" r:id="rId5"/>
-    <p:sldId id="286" r:id="rId6"/>
-    <p:sldId id="287" r:id="rId7"/>
+    <p:sldId id="290" r:id="rId6"/>
+    <p:sldId id="286" r:id="rId7"/>
     <p:sldId id="275" r:id="rId8"/>
-    <p:sldId id="281" r:id="rId9"/>
-    <p:sldId id="289" r:id="rId10"/>
-    <p:sldId id="288" r:id="rId11"/>
-    <p:sldId id="276" r:id="rId12"/>
-    <p:sldId id="282" r:id="rId13"/>
-    <p:sldId id="260" r:id="rId14"/>
-    <p:sldId id="283" r:id="rId15"/>
+    <p:sldId id="289" r:id="rId9"/>
+    <p:sldId id="276" r:id="rId10"/>
+    <p:sldId id="287" r:id="rId11"/>
+    <p:sldId id="281" r:id="rId12"/>
+    <p:sldId id="288" r:id="rId13"/>
+    <p:sldId id="282" r:id="rId14"/>
+    <p:sldId id="260" r:id="rId15"/>
     <p:sldId id="277" r:id="rId16"/>
     <p:sldId id="285" r:id="rId17"/>
-    <p:sldId id="284" r:id="rId18"/>
-    <p:sldId id="264" r:id="rId19"/>
+    <p:sldId id="291" r:id="rId18"/>
+    <p:sldId id="284" r:id="rId19"/>
+    <p:sldId id="292" r:id="rId20"/>
+    <p:sldId id="283" r:id="rId21"/>
   </p:sldIdLst>
   <p:sldSz cx="12192000" cy="6858000"/>
   <p:notesSz cx="6858000" cy="9144000"/>
@@ -3802,6 +3804,347 @@
           <p:cNvPr id="2" name="제목 1">
             <a:extLst>
               <a:ext uri="{FF2B5EF4-FFF2-40B4-BE49-F238E27FC236}">
+                <a16:creationId xmlns:a16="http://schemas.microsoft.com/office/drawing/2014/main" id="{EE159F21-080C-7F12-1DFC-6660DC1F8B96}"/>
+              </a:ext>
+            </a:extLst>
+          </p:cNvPr>
+          <p:cNvSpPr>
+            <a:spLocks noGrp="1"/>
+          </p:cNvSpPr>
+          <p:nvPr>
+            <p:ph type="title"/>
+          </p:nvPr>
+        </p:nvSpPr>
+        <p:spPr/>
+        <p:txBody>
+          <a:bodyPr/>
+          <a:lstStyle/>
+          <a:p>
+            <a:r>
+              <a:rPr lang="en-US" altLang="ko-KR" dirty="0"/>
+              <a:t>Explore</a:t>
+            </a:r>
+            <a:r>
+              <a:rPr lang="ko-KR" altLang="en-US" dirty="0"/>
+              <a:t> </a:t>
+            </a:r>
+            <a:r>
+              <a:rPr lang="en-US" altLang="ko-KR" dirty="0"/>
+              <a:t>Data</a:t>
+            </a:r>
+            <a:r>
+              <a:rPr lang="ko-KR" altLang="en-US" dirty="0"/>
+              <a:t> </a:t>
+            </a:r>
+            <a:r>
+              <a:rPr lang="en-US" altLang="ko-KR" dirty="0"/>
+              <a:t>– Sigma distribution</a:t>
+            </a:r>
+            <a:endParaRPr lang="ko-KR" altLang="en-US" dirty="0"/>
+          </a:p>
+        </p:txBody>
+      </p:sp>
+      <p:sp>
+        <p:nvSpPr>
+          <p:cNvPr id="3" name="내용 개체 틀 2">
+            <a:extLst>
+              <a:ext uri="{FF2B5EF4-FFF2-40B4-BE49-F238E27FC236}">
+                <a16:creationId xmlns:a16="http://schemas.microsoft.com/office/drawing/2014/main" id="{E1F3F8C1-7AB1-5C0B-8F62-0D6486FB2EBB}"/>
+              </a:ext>
+            </a:extLst>
+          </p:cNvPr>
+          <p:cNvSpPr>
+            <a:spLocks noGrp="1"/>
+          </p:cNvSpPr>
+          <p:nvPr>
+            <p:ph idx="1"/>
+          </p:nvPr>
+        </p:nvSpPr>
+        <p:spPr/>
+        <p:txBody>
+          <a:bodyPr/>
+          <a:lstStyle/>
+          <a:p>
+            <a:endParaRPr lang="ko-KR" altLang="en-US"/>
+          </a:p>
+        </p:txBody>
+      </p:sp>
+      <p:pic>
+        <p:nvPicPr>
+          <p:cNvPr id="5" name="그림 4">
+            <a:extLst>
+              <a:ext uri="{FF2B5EF4-FFF2-40B4-BE49-F238E27FC236}">
+                <a16:creationId xmlns:a16="http://schemas.microsoft.com/office/drawing/2014/main" id="{BFBCBC78-6106-A748-6AA1-799071FE15FB}"/>
+              </a:ext>
+            </a:extLst>
+          </p:cNvPr>
+          <p:cNvPicPr>
+            <a:picLocks noChangeAspect="1"/>
+          </p:cNvPicPr>
+          <p:nvPr/>
+        </p:nvPicPr>
+        <p:blipFill>
+          <a:blip r:embed="rId2"/>
+          <a:stretch>
+            <a:fillRect/>
+          </a:stretch>
+        </p:blipFill>
+        <p:spPr>
+          <a:xfrm>
+            <a:off x="0" y="1855410"/>
+            <a:ext cx="6096000" cy="5002590"/>
+          </a:xfrm>
+          <a:prstGeom prst="rect">
+            <a:avLst/>
+          </a:prstGeom>
+        </p:spPr>
+      </p:pic>
+      <p:pic>
+        <p:nvPicPr>
+          <p:cNvPr id="8" name="그림 7">
+            <a:extLst>
+              <a:ext uri="{FF2B5EF4-FFF2-40B4-BE49-F238E27FC236}">
+                <a16:creationId xmlns:a16="http://schemas.microsoft.com/office/drawing/2014/main" id="{40DA8B1C-3611-8A41-AD16-F7B193BA4E2B}"/>
+              </a:ext>
+            </a:extLst>
+          </p:cNvPr>
+          <p:cNvPicPr>
+            <a:picLocks noChangeAspect="1"/>
+          </p:cNvPicPr>
+          <p:nvPr/>
+        </p:nvPicPr>
+        <p:blipFill>
+          <a:blip r:embed="rId3"/>
+          <a:stretch>
+            <a:fillRect/>
+          </a:stretch>
+        </p:blipFill>
+        <p:spPr>
+          <a:xfrm>
+            <a:off x="6096000" y="1855410"/>
+            <a:ext cx="6096000" cy="5002590"/>
+          </a:xfrm>
+          <a:prstGeom prst="rect">
+            <a:avLst/>
+          </a:prstGeom>
+        </p:spPr>
+      </p:pic>
+    </p:spTree>
+    <p:extLst>
+      <p:ext uri="{BB962C8B-B14F-4D97-AF65-F5344CB8AC3E}">
+        <p14:creationId xmlns:p14="http://schemas.microsoft.com/office/powerpoint/2010/main" val="2078261401"/>
+      </p:ext>
+    </p:extLst>
+  </p:cSld>
+  <p:clrMapOvr>
+    <a:masterClrMapping/>
+  </p:clrMapOvr>
+</p:sld>
+</file>
+
+<file path=ppt/slides/slide11.xml><?xml version="1.0" encoding="utf-8"?>
+<p:sld xmlns:a="http://schemas.openxmlformats.org/drawingml/2006/main" xmlns:r="http://schemas.openxmlformats.org/officeDocument/2006/relationships" xmlns:p="http://schemas.openxmlformats.org/presentationml/2006/main">
+  <p:cSld>
+    <p:spTree>
+      <p:nvGrpSpPr>
+        <p:cNvPr id="1" name=""/>
+        <p:cNvGrpSpPr/>
+        <p:nvPr/>
+      </p:nvGrpSpPr>
+      <p:grpSpPr>
+        <a:xfrm>
+          <a:off x="0" y="0"/>
+          <a:ext cx="0" cy="0"/>
+          <a:chOff x="0" y="0"/>
+          <a:chExt cx="0" cy="0"/>
+        </a:xfrm>
+      </p:grpSpPr>
+      <p:sp>
+        <p:nvSpPr>
+          <p:cNvPr id="2" name="제목 1">
+            <a:extLst>
+              <a:ext uri="{FF2B5EF4-FFF2-40B4-BE49-F238E27FC236}">
+                <a16:creationId xmlns:a16="http://schemas.microsoft.com/office/drawing/2014/main" id="{1D8BBEF9-829C-B144-F825-A094BA40D78D}"/>
+              </a:ext>
+            </a:extLst>
+          </p:cNvPr>
+          <p:cNvSpPr>
+            <a:spLocks noGrp="1"/>
+          </p:cNvSpPr>
+          <p:nvPr>
+            <p:ph type="title"/>
+          </p:nvPr>
+        </p:nvSpPr>
+        <p:spPr/>
+        <p:txBody>
+          <a:bodyPr/>
+          <a:lstStyle/>
+          <a:p>
+            <a:r>
+              <a:rPr lang="en-US" altLang="ko-KR" dirty="0"/>
+              <a:t>Explore</a:t>
+            </a:r>
+            <a:r>
+              <a:rPr lang="ko-KR" altLang="en-US" dirty="0"/>
+              <a:t> </a:t>
+            </a:r>
+            <a:r>
+              <a:rPr lang="en-US" altLang="ko-KR" dirty="0"/>
+              <a:t>Data</a:t>
+            </a:r>
+            <a:r>
+              <a:rPr lang="ko-KR" altLang="en-US" dirty="0"/>
+              <a:t> </a:t>
+            </a:r>
+            <a:r>
+              <a:rPr lang="en-US" altLang="ko-KR" dirty="0"/>
+              <a:t>– Sigma distribution</a:t>
+            </a:r>
+            <a:endParaRPr lang="ko-KR" altLang="en-US" dirty="0"/>
+          </a:p>
+        </p:txBody>
+      </p:sp>
+      <p:pic>
+        <p:nvPicPr>
+          <p:cNvPr id="5" name="그림 4">
+            <a:extLst>
+              <a:ext uri="{FF2B5EF4-FFF2-40B4-BE49-F238E27FC236}">
+                <a16:creationId xmlns:a16="http://schemas.microsoft.com/office/drawing/2014/main" id="{3052CE39-97C8-9050-7ECE-9D792C70B5D2}"/>
+              </a:ext>
+            </a:extLst>
+          </p:cNvPr>
+          <p:cNvPicPr>
+            <a:picLocks noChangeAspect="1"/>
+          </p:cNvPicPr>
+          <p:nvPr/>
+        </p:nvPicPr>
+        <p:blipFill>
+          <a:blip r:embed="rId2"/>
+          <a:stretch>
+            <a:fillRect/>
+          </a:stretch>
+        </p:blipFill>
+        <p:spPr>
+          <a:xfrm>
+            <a:off x="6096000" y="1716238"/>
+            <a:ext cx="6096000" cy="5141762"/>
+          </a:xfrm>
+          <a:prstGeom prst="rect">
+            <a:avLst/>
+          </a:prstGeom>
+        </p:spPr>
+      </p:pic>
+      <p:pic>
+        <p:nvPicPr>
+          <p:cNvPr id="6" name="내용 개체 틀 5">
+            <a:extLst>
+              <a:ext uri="{FF2B5EF4-FFF2-40B4-BE49-F238E27FC236}">
+                <a16:creationId xmlns:a16="http://schemas.microsoft.com/office/drawing/2014/main" id="{16408705-776E-FEEA-2AEB-DDD815B8B06F}"/>
+              </a:ext>
+            </a:extLst>
+          </p:cNvPr>
+          <p:cNvPicPr>
+            <a:picLocks noGrp="1" noChangeAspect="1"/>
+          </p:cNvPicPr>
+          <p:nvPr>
+            <p:ph idx="1"/>
+          </p:nvPr>
+        </p:nvPicPr>
+        <p:blipFill>
+          <a:blip r:embed="rId3"/>
+          <a:stretch>
+            <a:fillRect/>
+          </a:stretch>
+        </p:blipFill>
+        <p:spPr>
+          <a:xfrm>
+            <a:off x="0" y="1716236"/>
+            <a:ext cx="6096000" cy="5141763"/>
+          </a:xfrm>
+          <a:prstGeom prst="rect">
+            <a:avLst/>
+          </a:prstGeom>
+        </p:spPr>
+      </p:pic>
+      <p:sp>
+        <p:nvSpPr>
+          <p:cNvPr id="7" name="TextBox 6">
+            <a:extLst>
+              <a:ext uri="{FF2B5EF4-FFF2-40B4-BE49-F238E27FC236}">
+                <a16:creationId xmlns:a16="http://schemas.microsoft.com/office/drawing/2014/main" id="{1F74E9F2-927B-6C50-8C98-6361F85B251B}"/>
+              </a:ext>
+            </a:extLst>
+          </p:cNvPr>
+          <p:cNvSpPr txBox="1"/>
+          <p:nvPr/>
+        </p:nvSpPr>
+        <p:spPr>
+          <a:xfrm>
+            <a:off x="5154168" y="1321356"/>
+            <a:ext cx="4590288" cy="369332"/>
+          </a:xfrm>
+          <a:prstGeom prst="rect">
+            <a:avLst/>
+          </a:prstGeom>
+          <a:noFill/>
+        </p:spPr>
+        <p:txBody>
+          <a:bodyPr wrap="square" rtlCol="0">
+            <a:spAutoFit/>
+          </a:bodyPr>
+          <a:lstStyle/>
+          <a:p>
+            <a:r>
+              <a:rPr lang="en-US" altLang="ko-KR" dirty="0">
+                <a:solidFill>
+                  <a:srgbClr val="FF0000"/>
+                </a:solidFill>
+              </a:rPr>
+              <a:t>Sigma &gt; 0</a:t>
+            </a:r>
+            <a:endParaRPr lang="ko-KR" altLang="en-US" dirty="0">
+              <a:solidFill>
+                <a:srgbClr val="FF0000"/>
+              </a:solidFill>
+            </a:endParaRPr>
+          </a:p>
+        </p:txBody>
+      </p:sp>
+    </p:spTree>
+    <p:extLst>
+      <p:ext uri="{BB962C8B-B14F-4D97-AF65-F5344CB8AC3E}">
+        <p14:creationId xmlns:p14="http://schemas.microsoft.com/office/powerpoint/2010/main" val="2783360439"/>
+      </p:ext>
+    </p:extLst>
+  </p:cSld>
+  <p:clrMapOvr>
+    <a:masterClrMapping/>
+  </p:clrMapOvr>
+</p:sld>
+</file>
+
+<file path=ppt/slides/slide12.xml><?xml version="1.0" encoding="utf-8"?>
+<p:sld xmlns:a="http://schemas.openxmlformats.org/drawingml/2006/main" xmlns:r="http://schemas.openxmlformats.org/officeDocument/2006/relationships" xmlns:p="http://schemas.openxmlformats.org/presentationml/2006/main">
+  <p:cSld>
+    <p:spTree>
+      <p:nvGrpSpPr>
+        <p:cNvPr id="1" name=""/>
+        <p:cNvGrpSpPr/>
+        <p:nvPr/>
+      </p:nvGrpSpPr>
+      <p:grpSpPr>
+        <a:xfrm>
+          <a:off x="0" y="0"/>
+          <a:ext cx="0" cy="0"/>
+          <a:chOff x="0" y="0"/>
+          <a:chExt cx="0" cy="0"/>
+        </a:xfrm>
+      </p:grpSpPr>
+      <p:sp>
+        <p:nvSpPr>
+          <p:cNvPr id="2" name="제목 1">
+            <a:extLst>
+              <a:ext uri="{FF2B5EF4-FFF2-40B4-BE49-F238E27FC236}">
                 <a16:creationId xmlns:a16="http://schemas.microsoft.com/office/drawing/2014/main" id="{37767C2E-9BD6-1370-2A88-1EF9C2C7DEBA}"/>
               </a:ext>
             </a:extLst>
@@ -3984,198 +4327,7 @@
 </p:sld>
 </file>
 
-<file path=ppt/slides/slide11.xml><?xml version="1.0" encoding="utf-8"?>
-<p:sld xmlns:a="http://schemas.openxmlformats.org/drawingml/2006/main" xmlns:r="http://schemas.openxmlformats.org/officeDocument/2006/relationships" xmlns:p="http://schemas.openxmlformats.org/presentationml/2006/main">
-  <p:cSld>
-    <p:spTree>
-      <p:nvGrpSpPr>
-        <p:cNvPr id="1" name=""/>
-        <p:cNvGrpSpPr/>
-        <p:nvPr/>
-      </p:nvGrpSpPr>
-      <p:grpSpPr>
-        <a:xfrm>
-          <a:off x="0" y="0"/>
-          <a:ext cx="0" cy="0"/>
-          <a:chOff x="0" y="0"/>
-          <a:chExt cx="0" cy="0"/>
-        </a:xfrm>
-      </p:grpSpPr>
-      <p:sp>
-        <p:nvSpPr>
-          <p:cNvPr id="2" name="제목 1">
-            <a:extLst>
-              <a:ext uri="{FF2B5EF4-FFF2-40B4-BE49-F238E27FC236}">
-                <a16:creationId xmlns:a16="http://schemas.microsoft.com/office/drawing/2014/main" id="{58C47A4C-0BB1-AD7D-2DFC-4EA7FCFF311D}"/>
-              </a:ext>
-            </a:extLst>
-          </p:cNvPr>
-          <p:cNvSpPr>
-            <a:spLocks noGrp="1"/>
-          </p:cNvSpPr>
-          <p:nvPr>
-            <p:ph type="title"/>
-          </p:nvPr>
-        </p:nvSpPr>
-        <p:spPr/>
-        <p:txBody>
-          <a:bodyPr/>
-          <a:lstStyle/>
-          <a:p>
-            <a:r>
-              <a:rPr lang="en-US" altLang="ko-KR" dirty="0"/>
-              <a:t>Explore</a:t>
-            </a:r>
-            <a:r>
-              <a:rPr lang="ko-KR" altLang="en-US" dirty="0"/>
-              <a:t> </a:t>
-            </a:r>
-            <a:r>
-              <a:rPr lang="en-US" altLang="ko-KR" dirty="0"/>
-              <a:t>Data</a:t>
-            </a:r>
-            <a:r>
-              <a:rPr lang="ko-KR" altLang="en-US" dirty="0"/>
-              <a:t> </a:t>
-            </a:r>
-            <a:r>
-              <a:rPr lang="en-US" altLang="ko-KR" dirty="0"/>
-              <a:t>– Intensity distribution</a:t>
-            </a:r>
-            <a:endParaRPr lang="ko-KR" altLang="en-US" dirty="0"/>
-          </a:p>
-        </p:txBody>
-      </p:sp>
-      <p:pic>
-        <p:nvPicPr>
-          <p:cNvPr id="13" name="그림 12">
-            <a:extLst>
-              <a:ext uri="{FF2B5EF4-FFF2-40B4-BE49-F238E27FC236}">
-                <a16:creationId xmlns:a16="http://schemas.microsoft.com/office/drawing/2014/main" id="{23DB9B72-D757-B0D8-5F52-4FE466CF5905}"/>
-              </a:ext>
-            </a:extLst>
-          </p:cNvPr>
-          <p:cNvPicPr>
-            <a:picLocks noChangeAspect="1"/>
-          </p:cNvPicPr>
-          <p:nvPr/>
-        </p:nvPicPr>
-        <p:blipFill>
-          <a:blip r:embed="rId2"/>
-          <a:stretch>
-            <a:fillRect/>
-          </a:stretch>
-        </p:blipFill>
-        <p:spPr>
-          <a:xfrm>
-            <a:off x="1" y="1716236"/>
-            <a:ext cx="6096002" cy="5141764"/>
-          </a:xfrm>
-          <a:prstGeom prst="rect">
-            <a:avLst/>
-          </a:prstGeom>
-        </p:spPr>
-      </p:pic>
-      <p:pic>
-        <p:nvPicPr>
-          <p:cNvPr id="15" name="그림 14">
-            <a:extLst>
-              <a:ext uri="{FF2B5EF4-FFF2-40B4-BE49-F238E27FC236}">
-                <a16:creationId xmlns:a16="http://schemas.microsoft.com/office/drawing/2014/main" id="{E991FE14-53F4-9CF6-1D1B-1A7F69292F5E}"/>
-              </a:ext>
-            </a:extLst>
-          </p:cNvPr>
-          <p:cNvPicPr>
-            <a:picLocks noChangeAspect="1"/>
-          </p:cNvPicPr>
-          <p:nvPr/>
-        </p:nvPicPr>
-        <p:blipFill>
-          <a:blip r:embed="rId3"/>
-          <a:stretch>
-            <a:fillRect/>
-          </a:stretch>
-        </p:blipFill>
-        <p:spPr>
-          <a:xfrm>
-            <a:off x="6095997" y="1716236"/>
-            <a:ext cx="6096002" cy="5141764"/>
-          </a:xfrm>
-          <a:prstGeom prst="rect">
-            <a:avLst/>
-          </a:prstGeom>
-        </p:spPr>
-      </p:pic>
-      <p:sp>
-        <p:nvSpPr>
-          <p:cNvPr id="3" name="TextBox 2">
-            <a:extLst>
-              <a:ext uri="{FF2B5EF4-FFF2-40B4-BE49-F238E27FC236}">
-                <a16:creationId xmlns:a16="http://schemas.microsoft.com/office/drawing/2014/main" id="{3C08F6ED-C5EC-A3D7-69D9-0E0BA8A4158A}"/>
-              </a:ext>
-            </a:extLst>
-          </p:cNvPr>
-          <p:cNvSpPr txBox="1"/>
-          <p:nvPr/>
-        </p:nvSpPr>
-        <p:spPr>
-          <a:xfrm>
-            <a:off x="4408929" y="1336745"/>
-            <a:ext cx="3069336" cy="707886"/>
-          </a:xfrm>
-          <a:prstGeom prst="rect">
-            <a:avLst/>
-          </a:prstGeom>
-          <a:noFill/>
-        </p:spPr>
-        <p:txBody>
-          <a:bodyPr wrap="square" rtlCol="0">
-            <a:spAutoFit/>
-          </a:bodyPr>
-          <a:lstStyle/>
-          <a:p>
-            <a:pPr algn="ctr"/>
-            <a:r>
-              <a:rPr lang="en-US" altLang="ko-KR" sz="2000" b="1" dirty="0">
-                <a:solidFill>
-                  <a:srgbClr val="FF0000"/>
-                </a:solidFill>
-              </a:rPr>
-              <a:t>After Normalization</a:t>
-            </a:r>
-          </a:p>
-          <a:p>
-            <a:pPr algn="ctr"/>
-            <a:r>
-              <a:rPr lang="en-US" altLang="ko-KR" sz="2000" b="1" dirty="0">
-                <a:solidFill>
-                  <a:srgbClr val="FF0000"/>
-                </a:solidFill>
-              </a:rPr>
-              <a:t>Sigma &gt; 0</a:t>
-            </a:r>
-            <a:endParaRPr lang="ko-KR" altLang="en-US" sz="2000" b="1" dirty="0">
-              <a:solidFill>
-                <a:srgbClr val="FF0000"/>
-              </a:solidFill>
-            </a:endParaRPr>
-          </a:p>
-        </p:txBody>
-      </p:sp>
-    </p:spTree>
-    <p:extLst>
-      <p:ext uri="{BB962C8B-B14F-4D97-AF65-F5344CB8AC3E}">
-        <p14:creationId xmlns:p14="http://schemas.microsoft.com/office/powerpoint/2010/main" val="891137179"/>
-      </p:ext>
-    </p:extLst>
-  </p:cSld>
-  <p:clrMapOvr>
-    <a:masterClrMapping/>
-  </p:clrMapOvr>
-</p:sld>
-</file>
-
-<file path=ppt/slides/slide12.xml><?xml version="1.0" encoding="utf-8"?>
+<file path=ppt/slides/slide13.xml><?xml version="1.0" encoding="utf-8"?>
 <p:sld xmlns:a="http://schemas.openxmlformats.org/drawingml/2006/main" xmlns:r="http://schemas.openxmlformats.org/officeDocument/2006/relationships" xmlns:p="http://schemas.openxmlformats.org/presentationml/2006/main">
   <p:cSld>
     <p:spTree>
@@ -4341,169 +4493,6 @@
     <p:extLst>
       <p:ext uri="{BB962C8B-B14F-4D97-AF65-F5344CB8AC3E}">
         <p14:creationId xmlns:p14="http://schemas.microsoft.com/office/powerpoint/2010/main" val="2262074714"/>
-      </p:ext>
-    </p:extLst>
-  </p:cSld>
-  <p:clrMapOvr>
-    <a:masterClrMapping/>
-  </p:clrMapOvr>
-</p:sld>
-</file>
-
-<file path=ppt/slides/slide13.xml><?xml version="1.0" encoding="utf-8"?>
-<p:sld xmlns:a="http://schemas.openxmlformats.org/drawingml/2006/main" xmlns:r="http://schemas.openxmlformats.org/officeDocument/2006/relationships" xmlns:p="http://schemas.openxmlformats.org/presentationml/2006/main">
-  <p:cSld>
-    <p:spTree>
-      <p:nvGrpSpPr>
-        <p:cNvPr id="1" name=""/>
-        <p:cNvGrpSpPr/>
-        <p:nvPr/>
-      </p:nvGrpSpPr>
-      <p:grpSpPr>
-        <a:xfrm>
-          <a:off x="0" y="0"/>
-          <a:ext cx="0" cy="0"/>
-          <a:chOff x="0" y="0"/>
-          <a:chExt cx="0" cy="0"/>
-        </a:xfrm>
-      </p:grpSpPr>
-      <p:sp>
-        <p:nvSpPr>
-          <p:cNvPr id="2" name="제목 1">
-            <a:extLst>
-              <a:ext uri="{FF2B5EF4-FFF2-40B4-BE49-F238E27FC236}">
-                <a16:creationId xmlns:a16="http://schemas.microsoft.com/office/drawing/2014/main" id="{F9F028FD-E480-9D2F-2A8F-E52F3CA771F0}"/>
-              </a:ext>
-            </a:extLst>
-          </p:cNvPr>
-          <p:cNvSpPr>
-            <a:spLocks noGrp="1"/>
-          </p:cNvSpPr>
-          <p:nvPr>
-            <p:ph type="title"/>
-          </p:nvPr>
-        </p:nvSpPr>
-        <p:spPr/>
-        <p:txBody>
-          <a:bodyPr/>
-          <a:lstStyle/>
-          <a:p>
-            <a:r>
-              <a:rPr lang="en-US" altLang="ko-KR" dirty="0"/>
-              <a:t>Cluster Analysis - Model</a:t>
-            </a:r>
-            <a:endParaRPr lang="ko-KR" altLang="en-US" dirty="0"/>
-          </a:p>
-        </p:txBody>
-      </p:sp>
-      <p:sp>
-        <p:nvSpPr>
-          <p:cNvPr id="3" name="TextBox 2">
-            <a:extLst>
-              <a:ext uri="{FF2B5EF4-FFF2-40B4-BE49-F238E27FC236}">
-                <a16:creationId xmlns:a16="http://schemas.microsoft.com/office/drawing/2014/main" id="{D7EFC464-AD66-ADDE-7126-748982DB468A}"/>
-              </a:ext>
-            </a:extLst>
-          </p:cNvPr>
-          <p:cNvSpPr txBox="1"/>
-          <p:nvPr/>
-        </p:nvSpPr>
-        <p:spPr>
-          <a:xfrm>
-            <a:off x="1088571" y="2002971"/>
-            <a:ext cx="9831978" cy="2862322"/>
-          </a:xfrm>
-          <a:prstGeom prst="rect">
-            <a:avLst/>
-          </a:prstGeom>
-          <a:noFill/>
-        </p:spPr>
-        <p:txBody>
-          <a:bodyPr wrap="square" rtlCol="0">
-            <a:spAutoFit/>
-          </a:bodyPr>
-          <a:lstStyle/>
-          <a:p>
-            <a:pPr marL="342900" indent="-342900">
-              <a:buAutoNum type="arabicPeriod"/>
-            </a:pPr>
-            <a:r>
-              <a:rPr lang="en-US" altLang="ko-KR" sz="2000" dirty="0"/>
-              <a:t>Normalized data</a:t>
-            </a:r>
-          </a:p>
-          <a:p>
-            <a:pPr marL="342900" indent="-342900">
-              <a:buAutoNum type="arabicPeriod"/>
-            </a:pPr>
-            <a:endParaRPr lang="en-US" altLang="ko-KR" sz="2000" dirty="0"/>
-          </a:p>
-          <a:p>
-            <a:pPr marL="342900" indent="-342900">
-              <a:buAutoNum type="arabicPeriod"/>
-            </a:pPr>
-            <a:r>
-              <a:rPr lang="en-US" altLang="ko-KR" sz="2000" dirty="0"/>
-              <a:t>Euclidean distance</a:t>
-            </a:r>
-          </a:p>
-          <a:p>
-            <a:pPr marL="800100" lvl="1" indent="-342900">
-              <a:buFontTx/>
-              <a:buChar char="-"/>
-            </a:pPr>
-            <a:r>
-              <a:rPr lang="en-US" altLang="ko-KR" sz="2000" dirty="0"/>
-              <a:t>Observation with certain values of features will be clustered together</a:t>
-            </a:r>
-          </a:p>
-          <a:p>
-            <a:pPr marL="800100" lvl="1" indent="-342900">
-              <a:buFontTx/>
-              <a:buChar char="-"/>
-            </a:pPr>
-            <a:r>
-              <a:rPr lang="en-US" altLang="ko-KR" sz="2000" dirty="0">
-                <a:solidFill>
-                  <a:schemeClr val="bg2">
-                    <a:lumMod val="75000"/>
-                  </a:schemeClr>
-                </a:solidFill>
-              </a:rPr>
-              <a:t>Correlation based distance methods (e.g. Pearson corr. Spearman corr.) identify clusters of observation regardless of their magnitude</a:t>
-            </a:r>
-          </a:p>
-          <a:p>
-            <a:pPr marL="342900" indent="-342900">
-              <a:buAutoNum type="arabicPeriod"/>
-            </a:pPr>
-            <a:endParaRPr lang="en-US" altLang="ko-KR" sz="2000" dirty="0"/>
-          </a:p>
-          <a:p>
-            <a:pPr marL="342900" indent="-342900">
-              <a:buAutoNum type="arabicPeriod"/>
-            </a:pPr>
-            <a:r>
-              <a:rPr lang="en-US" altLang="ko-KR" sz="2000" dirty="0"/>
-              <a:t>K-means clustering</a:t>
-            </a:r>
-          </a:p>
-          <a:p>
-            <a:pPr marL="800100" lvl="1" indent="-342900">
-              <a:buFontTx/>
-              <a:buChar char="-"/>
-            </a:pPr>
-            <a:r>
-              <a:rPr lang="en-US" altLang="ko-KR" sz="2000" dirty="0"/>
-              <a:t>Most common clustering method</a:t>
-            </a:r>
-          </a:p>
-        </p:txBody>
-      </p:sp>
-    </p:spTree>
-    <p:extLst>
-      <p:ext uri="{BB962C8B-B14F-4D97-AF65-F5344CB8AC3E}">
-        <p14:creationId xmlns:p14="http://schemas.microsoft.com/office/powerpoint/2010/main" val="2785510413"/>
       </p:ext>
     </p:extLst>
   </p:cSld>
@@ -4553,88 +4542,28 @@
           <a:p>
             <a:r>
               <a:rPr lang="en-US" altLang="ko-KR" dirty="0"/>
-              <a:t>Cluster Analysis (Patient Sample)</a:t>
+              <a:t>Cluster Analysis - Model</a:t>
             </a:r>
             <a:endParaRPr lang="ko-KR" altLang="en-US" dirty="0"/>
           </a:p>
         </p:txBody>
       </p:sp>
-      <p:pic>
-        <p:nvPicPr>
-          <p:cNvPr id="5" name="그림 4">
-            <a:extLst>
-              <a:ext uri="{FF2B5EF4-FFF2-40B4-BE49-F238E27FC236}">
-                <a16:creationId xmlns:a16="http://schemas.microsoft.com/office/drawing/2014/main" id="{C9368369-45B2-4201-5579-30929770B335}"/>
-              </a:ext>
-            </a:extLst>
-          </p:cNvPr>
-          <p:cNvPicPr>
-            <a:picLocks noChangeAspect="1"/>
-          </p:cNvPicPr>
+      <p:sp>
+        <p:nvSpPr>
+          <p:cNvPr id="3" name="TextBox 2">
+            <a:extLst>
+              <a:ext uri="{FF2B5EF4-FFF2-40B4-BE49-F238E27FC236}">
+                <a16:creationId xmlns:a16="http://schemas.microsoft.com/office/drawing/2014/main" id="{D7EFC464-AD66-ADDE-7126-748982DB468A}"/>
+              </a:ext>
+            </a:extLst>
+          </p:cNvPr>
+          <p:cNvSpPr txBox="1"/>
           <p:nvPr/>
-        </p:nvPicPr>
-        <p:blipFill>
-          <a:blip r:embed="rId2"/>
-          <a:stretch>
-            <a:fillRect/>
-          </a:stretch>
-        </p:blipFill>
+        </p:nvSpPr>
         <p:spPr>
           <a:xfrm>
-            <a:off x="5788098" y="1940901"/>
-            <a:ext cx="6245211" cy="4370999"/>
-          </a:xfrm>
-          <a:prstGeom prst="rect">
-            <a:avLst/>
-          </a:prstGeom>
-        </p:spPr>
-      </p:pic>
-      <p:pic>
-        <p:nvPicPr>
-          <p:cNvPr id="9" name="그림 8">
-            <a:extLst>
-              <a:ext uri="{FF2B5EF4-FFF2-40B4-BE49-F238E27FC236}">
-                <a16:creationId xmlns:a16="http://schemas.microsoft.com/office/drawing/2014/main" id="{87E6AC33-EB39-9485-7759-6013FC165987}"/>
-              </a:ext>
-            </a:extLst>
-          </p:cNvPr>
-          <p:cNvPicPr>
-            <a:picLocks noChangeAspect="1"/>
-          </p:cNvPicPr>
-          <p:nvPr/>
-        </p:nvPicPr>
-        <p:blipFill>
-          <a:blip r:embed="rId3"/>
-          <a:stretch>
-            <a:fillRect/>
-          </a:stretch>
-        </p:blipFill>
-        <p:spPr>
-          <a:xfrm>
-            <a:off x="77104" y="1499616"/>
-            <a:ext cx="5546456" cy="5413156"/>
-          </a:xfrm>
-          <a:prstGeom prst="rect">
-            <a:avLst/>
-          </a:prstGeom>
-        </p:spPr>
-      </p:pic>
-      <p:sp>
-        <p:nvSpPr>
-          <p:cNvPr id="10" name="TextBox 9">
-            <a:extLst>
-              <a:ext uri="{FF2B5EF4-FFF2-40B4-BE49-F238E27FC236}">
-                <a16:creationId xmlns:a16="http://schemas.microsoft.com/office/drawing/2014/main" id="{792C32BA-A747-7046-A3FF-AE8D88D8F4D6}"/>
-              </a:ext>
-            </a:extLst>
-          </p:cNvPr>
-          <p:cNvSpPr txBox="1"/>
-          <p:nvPr/>
-        </p:nvSpPr>
-        <p:spPr>
-          <a:xfrm>
-            <a:off x="7231706" y="1446463"/>
-            <a:ext cx="3511296" cy="369332"/>
+            <a:off x="1088571" y="2002971"/>
+            <a:ext cx="9831978" cy="2862322"/>
           </a:xfrm>
           <a:prstGeom prst="rect">
             <a:avLst/>
@@ -4647,90 +4576,86 @@
           </a:bodyPr>
           <a:lstStyle/>
           <a:p>
-            <a:r>
-              <a:rPr lang="en-US" altLang="ko-KR" dirty="0"/>
-              <a:t>Average silhouette coefficient</a:t>
-            </a:r>
-            <a:endParaRPr lang="ko-KR" altLang="en-US" dirty="0"/>
-          </a:p>
-        </p:txBody>
-      </p:sp>
-      <p:sp>
-        <p:nvSpPr>
-          <p:cNvPr id="11" name="TextBox 10">
-            <a:extLst>
-              <a:ext uri="{FF2B5EF4-FFF2-40B4-BE49-F238E27FC236}">
-                <a16:creationId xmlns:a16="http://schemas.microsoft.com/office/drawing/2014/main" id="{B7D69245-A953-EFAD-3954-EBDF85F0D267}"/>
-              </a:ext>
-            </a:extLst>
-          </p:cNvPr>
-          <p:cNvSpPr txBox="1"/>
-          <p:nvPr/>
-        </p:nvSpPr>
-        <p:spPr>
-          <a:xfrm>
-            <a:off x="2980944" y="4526280"/>
-            <a:ext cx="521208" cy="369332"/>
-          </a:xfrm>
-          <a:prstGeom prst="rect">
-            <a:avLst/>
-          </a:prstGeom>
-          <a:noFill/>
-        </p:spPr>
-        <p:txBody>
-          <a:bodyPr wrap="square" rtlCol="0">
-            <a:spAutoFit/>
-          </a:bodyPr>
-          <a:lstStyle/>
-          <a:p>
-            <a:r>
-              <a:rPr lang="en-US" altLang="ko-KR" dirty="0"/>
-              <a:t>C3</a:t>
-            </a:r>
-            <a:endParaRPr lang="ko-KR" altLang="en-US" dirty="0"/>
-          </a:p>
-        </p:txBody>
-      </p:sp>
-      <p:sp>
-        <p:nvSpPr>
-          <p:cNvPr id="12" name="TextBox 11">
-            <a:extLst>
-              <a:ext uri="{FF2B5EF4-FFF2-40B4-BE49-F238E27FC236}">
-                <a16:creationId xmlns:a16="http://schemas.microsoft.com/office/drawing/2014/main" id="{CD1EDA2B-D771-DF0A-04B8-541ECEDC6EB9}"/>
-              </a:ext>
-            </a:extLst>
-          </p:cNvPr>
-          <p:cNvSpPr txBox="1"/>
-          <p:nvPr/>
-        </p:nvSpPr>
-        <p:spPr>
-          <a:xfrm>
-            <a:off x="1880616" y="2825179"/>
-            <a:ext cx="521208" cy="923330"/>
-          </a:xfrm>
-          <a:prstGeom prst="rect">
-            <a:avLst/>
-          </a:prstGeom>
-          <a:noFill/>
-        </p:spPr>
-        <p:txBody>
-          <a:bodyPr wrap="square" rtlCol="0">
-            <a:spAutoFit/>
-          </a:bodyPr>
-          <a:lstStyle/>
-          <a:p>
-            <a:r>
-              <a:rPr lang="en-US" altLang="ko-KR" dirty="0"/>
-              <a:t>C1, C2, C4</a:t>
-            </a:r>
-            <a:endParaRPr lang="ko-KR" altLang="en-US" dirty="0"/>
+            <a:pPr marL="342900" indent="-342900">
+              <a:buAutoNum type="arabicPeriod"/>
+            </a:pPr>
+            <a:r>
+              <a:rPr lang="en-US" altLang="ko-KR" sz="2000" dirty="0"/>
+              <a:t>Normalized data</a:t>
+            </a:r>
+          </a:p>
+          <a:p>
+            <a:pPr marL="342900" indent="-342900">
+              <a:buAutoNum type="arabicPeriod"/>
+            </a:pPr>
+            <a:endParaRPr lang="en-US" altLang="ko-KR" sz="2000" dirty="0"/>
+          </a:p>
+          <a:p>
+            <a:pPr marL="342900" indent="-342900">
+              <a:buAutoNum type="arabicPeriod"/>
+            </a:pPr>
+            <a:r>
+              <a:rPr lang="en-US" altLang="ko-KR" sz="2000" dirty="0"/>
+              <a:t>Euclidean distance</a:t>
+            </a:r>
+          </a:p>
+          <a:p>
+            <a:pPr marL="800100" lvl="1" indent="-342900">
+              <a:buFontTx/>
+              <a:buChar char="-"/>
+            </a:pPr>
+            <a:r>
+              <a:rPr lang="en-US" altLang="ko-KR" sz="2000" dirty="0"/>
+              <a:t>Observation with certain values of features will be clustered together</a:t>
+            </a:r>
+          </a:p>
+          <a:p>
+            <a:pPr marL="800100" lvl="1" indent="-342900">
+              <a:buFontTx/>
+              <a:buChar char="-"/>
+            </a:pPr>
+            <a:r>
+              <a:rPr lang="en-US" altLang="ko-KR" sz="2000" dirty="0">
+                <a:solidFill>
+                  <a:schemeClr val="bg2">
+                    <a:lumMod val="75000"/>
+                  </a:schemeClr>
+                </a:solidFill>
+              </a:rPr>
+              <a:t>Correlation based distance methods (e.g. Pearson corr. Spearman corr.) identify clusters of observation regardless of their magnitude</a:t>
+            </a:r>
+          </a:p>
+          <a:p>
+            <a:pPr marL="342900" indent="-342900">
+              <a:buAutoNum type="arabicPeriod"/>
+            </a:pPr>
+            <a:endParaRPr lang="en-US" altLang="ko-KR" sz="2000" dirty="0"/>
+          </a:p>
+          <a:p>
+            <a:pPr marL="342900" indent="-342900">
+              <a:buAutoNum type="arabicPeriod"/>
+            </a:pPr>
+            <a:r>
+              <a:rPr lang="en-US" altLang="ko-KR" sz="2000" dirty="0"/>
+              <a:t>K-means clustering</a:t>
+            </a:r>
+          </a:p>
+          <a:p>
+            <a:pPr marL="800100" lvl="1" indent="-342900">
+              <a:buFontTx/>
+              <a:buChar char="-"/>
+            </a:pPr>
+            <a:r>
+              <a:rPr lang="en-US" altLang="ko-KR" sz="2000" dirty="0"/>
+              <a:t>Most common clustering method</a:t>
+            </a:r>
           </a:p>
         </p:txBody>
       </p:sp>
     </p:spTree>
     <p:extLst>
       <p:ext uri="{BB962C8B-B14F-4D97-AF65-F5344CB8AC3E}">
-        <p14:creationId xmlns:p14="http://schemas.microsoft.com/office/powerpoint/2010/main" val="1313738947"/>
+        <p14:creationId xmlns:p14="http://schemas.microsoft.com/office/powerpoint/2010/main" val="2785510413"/>
       </p:ext>
     </p:extLst>
   </p:cSld>
@@ -4801,7 +4726,7 @@
         <p:spPr>
           <a:xfrm>
             <a:off x="7159752" y="2084832"/>
-            <a:ext cx="4498848" cy="1754326"/>
+            <a:ext cx="4498848" cy="923330"/>
           </a:xfrm>
           <a:prstGeom prst="rect">
             <a:avLst/>
@@ -4829,16 +4754,6 @@
               <a:buChar char="-"/>
             </a:pPr>
             <a:endParaRPr lang="en-US" altLang="ko-KR" dirty="0"/>
-          </a:p>
-          <a:p>
-            <a:pPr marL="285750" indent="-285750">
-              <a:buFontTx/>
-              <a:buChar char="-"/>
-            </a:pPr>
-            <a:r>
-              <a:rPr lang="en-US" altLang="ko-KR" dirty="0"/>
-              <a:t>This can be expected from the sigma/intensity distribution in slide 7&amp;8</a:t>
-            </a:r>
           </a:p>
         </p:txBody>
       </p:sp>
@@ -4942,7 +4857,7 @@
         <p:spPr>
           <a:xfrm>
             <a:off x="2936147" y="2791521"/>
-            <a:ext cx="4697835" cy="2208318"/>
+            <a:ext cx="4612318" cy="1556544"/>
           </a:xfrm>
           <a:prstGeom prst="straightConnector1">
             <a:avLst/>
@@ -4983,7 +4898,7 @@
         </p:nvSpPr>
         <p:spPr>
           <a:xfrm>
-            <a:off x="7633982" y="4781833"/>
+            <a:off x="7644703" y="4163399"/>
             <a:ext cx="3917658" cy="369332"/>
           </a:xfrm>
           <a:prstGeom prst="rect">
@@ -5004,6 +4919,147 @@
                 </a:solidFill>
               </a:rPr>
               <a:t>High proportion of zero values</a:t>
+            </a:r>
+            <a:endParaRPr lang="ko-KR" altLang="en-US" dirty="0">
+              <a:solidFill>
+                <a:srgbClr val="FF0000"/>
+              </a:solidFill>
+            </a:endParaRPr>
+          </a:p>
+        </p:txBody>
+      </p:sp>
+      <p:sp>
+        <p:nvSpPr>
+          <p:cNvPr id="3" name="직사각형 2">
+            <a:extLst>
+              <a:ext uri="{FF2B5EF4-FFF2-40B4-BE49-F238E27FC236}">
+                <a16:creationId xmlns:a16="http://schemas.microsoft.com/office/drawing/2014/main" id="{3D6270CB-582D-16A6-97E7-91A1CF626337}"/>
+              </a:ext>
+            </a:extLst>
+          </p:cNvPr>
+          <p:cNvSpPr/>
+          <p:nvPr/>
+        </p:nvSpPr>
+        <p:spPr>
+          <a:xfrm>
+            <a:off x="2813849" y="4163398"/>
+            <a:ext cx="3577223" cy="2694601"/>
+          </a:xfrm>
+          <a:prstGeom prst="rect">
+            <a:avLst/>
+          </a:prstGeom>
+          <a:noFill/>
+          <a:ln w="38100">
+            <a:solidFill>
+              <a:srgbClr val="FF0000"/>
+            </a:solidFill>
+          </a:ln>
+        </p:spPr>
+        <p:style>
+          <a:lnRef idx="2">
+            <a:schemeClr val="accent1">
+              <a:shade val="50000"/>
+            </a:schemeClr>
+          </a:lnRef>
+          <a:fillRef idx="1">
+            <a:schemeClr val="accent1"/>
+          </a:fillRef>
+          <a:effectRef idx="0">
+            <a:schemeClr val="accent1"/>
+          </a:effectRef>
+          <a:fontRef idx="minor">
+            <a:schemeClr val="lt1"/>
+          </a:fontRef>
+        </p:style>
+        <p:txBody>
+          <a:bodyPr rtlCol="0" anchor="ctr"/>
+          <a:lstStyle/>
+          <a:p>
+            <a:pPr algn="ctr"/>
+            <a:endParaRPr lang="ko-KR" altLang="en-US"/>
+          </a:p>
+        </p:txBody>
+      </p:sp>
+      <p:cxnSp>
+        <p:nvCxnSpPr>
+          <p:cNvPr id="8" name="직선 화살표 연결선 7">
+            <a:extLst>
+              <a:ext uri="{FF2B5EF4-FFF2-40B4-BE49-F238E27FC236}">
+                <a16:creationId xmlns:a16="http://schemas.microsoft.com/office/drawing/2014/main" id="{62D0F812-A01C-B679-1040-DE92754C310C}"/>
+              </a:ext>
+            </a:extLst>
+          </p:cNvPr>
+          <p:cNvCxnSpPr>
+            <a:cxnSpLocks/>
+            <a:stCxn id="3" idx="3"/>
+          </p:cNvCxnSpPr>
+          <p:nvPr/>
+        </p:nvCxnSpPr>
+        <p:spPr>
+          <a:xfrm>
+            <a:off x="6391072" y="5510699"/>
+            <a:ext cx="1157393" cy="36004"/>
+          </a:xfrm>
+          <a:prstGeom prst="straightConnector1">
+            <a:avLst/>
+          </a:prstGeom>
+          <a:ln>
+            <a:solidFill>
+              <a:srgbClr val="FF0000"/>
+            </a:solidFill>
+            <a:tailEnd type="triangle"/>
+          </a:ln>
+        </p:spPr>
+        <p:style>
+          <a:lnRef idx="1">
+            <a:schemeClr val="accent1"/>
+          </a:lnRef>
+          <a:fillRef idx="0">
+            <a:schemeClr val="accent1"/>
+          </a:fillRef>
+          <a:effectRef idx="0">
+            <a:schemeClr val="accent1"/>
+          </a:effectRef>
+          <a:fontRef idx="minor">
+            <a:schemeClr val="tx1"/>
+          </a:fontRef>
+        </p:style>
+      </p:cxnSp>
+      <p:sp>
+        <p:nvSpPr>
+          <p:cNvPr id="13" name="TextBox 12">
+            <a:extLst>
+              <a:ext uri="{FF2B5EF4-FFF2-40B4-BE49-F238E27FC236}">
+                <a16:creationId xmlns:a16="http://schemas.microsoft.com/office/drawing/2014/main" id="{AD4641D4-41CB-6439-767A-30918C001E03}"/>
+              </a:ext>
+            </a:extLst>
+          </p:cNvPr>
+          <p:cNvSpPr txBox="1"/>
+          <p:nvPr/>
+        </p:nvSpPr>
+        <p:spPr>
+          <a:xfrm>
+            <a:off x="7644703" y="5310997"/>
+            <a:ext cx="3917658" cy="646331"/>
+          </a:xfrm>
+          <a:prstGeom prst="rect">
+            <a:avLst/>
+          </a:prstGeom>
+          <a:noFill/>
+        </p:spPr>
+        <p:txBody>
+          <a:bodyPr wrap="square" rtlCol="0">
+            <a:spAutoFit/>
+          </a:bodyPr>
+          <a:lstStyle/>
+          <a:p>
+            <a:r>
+              <a:rPr lang="en-US" altLang="ko-KR" dirty="0">
+                <a:solidFill>
+                  <a:srgbClr val="FF0000"/>
+                </a:solidFill>
+              </a:rPr>
+              <a:t>Intensity almost got no impact on clustering</a:t>
             </a:r>
             <a:endParaRPr lang="ko-KR" altLang="en-US" dirty="0">
               <a:solidFill>
@@ -5351,50 +5407,8 @@
           <a:lstStyle/>
           <a:p>
             <a:r>
-              <a:rPr lang="ko-KR" altLang="en-US" dirty="0"/>
-              <a:t>사실 그럼에도 불구하고 </a:t>
-            </a:r>
-            <a:r>
-              <a:rPr lang="en-US" altLang="ko-KR" dirty="0"/>
-              <a:t>sigma </a:t>
-            </a:r>
-            <a:r>
-              <a:rPr lang="ko-KR" altLang="en-US" dirty="0"/>
-              <a:t>기준으로 </a:t>
-            </a:r>
-            <a:r>
-              <a:rPr lang="en-US" altLang="ko-KR" dirty="0"/>
-              <a:t>cluster </a:t>
-            </a:r>
-            <a:r>
-              <a:rPr lang="ko-KR" altLang="en-US" dirty="0"/>
-              <a:t>는 됨</a:t>
-            </a:r>
-            <a:r>
-              <a:rPr lang="en-US" altLang="ko-KR" dirty="0"/>
-              <a:t>.. intensity</a:t>
-            </a:r>
-            <a:r>
-              <a:rPr lang="ko-KR" altLang="en-US" dirty="0"/>
-              <a:t>는 나뉘질 않음</a:t>
-            </a:r>
-            <a:r>
-              <a:rPr lang="en-US" altLang="ko-KR" dirty="0"/>
-              <a:t>.</a:t>
-            </a:r>
-          </a:p>
-          <a:p>
-            <a:r>
-              <a:rPr lang="en-US" altLang="ko-KR" dirty="0"/>
-              <a:t>Intensity</a:t>
-            </a:r>
-            <a:r>
-              <a:rPr lang="ko-KR" altLang="en-US" dirty="0"/>
-              <a:t>는 별 변화가 없었으나 </a:t>
-            </a:r>
-            <a:r>
-              <a:rPr lang="en-US" altLang="ko-KR" dirty="0"/>
-              <a:t>sigma</a:t>
+              <a:rPr lang="en-US" altLang="ko-KR" dirty="0"/>
+              <a:t>Sigma</a:t>
             </a:r>
             <a:r>
               <a:rPr lang="ko-KR" altLang="en-US" dirty="0"/>
@@ -5402,7 +5416,37 @@
             </a:r>
             <a:r>
               <a:rPr lang="en-US" altLang="ko-KR" dirty="0"/>
-              <a:t>zero</a:t>
+              <a:t>normal distribution</a:t>
+            </a:r>
+            <a:r>
+              <a:rPr lang="ko-KR" altLang="en-US" dirty="0"/>
+              <a:t>을 가정할 수 없는 상태</a:t>
+            </a:r>
+            <a:r>
+              <a:rPr lang="en-US" altLang="ko-KR" dirty="0"/>
+              <a:t>. </a:t>
+            </a:r>
+            <a:r>
+              <a:rPr lang="ko-KR" altLang="en-US" dirty="0"/>
+              <a:t>그렇다면 </a:t>
+            </a:r>
+            <a:r>
+              <a:rPr lang="en-US" altLang="ko-KR" dirty="0"/>
+              <a:t>Gaussian mixture model or Two-part model? </a:t>
+            </a:r>
+          </a:p>
+          <a:p>
+            <a:r>
+              <a:rPr lang="en-US" altLang="ko-KR" dirty="0"/>
+              <a:t>R – </a:t>
+            </a:r>
+            <a:r>
+              <a:rPr lang="en-US" altLang="ko-KR" dirty="0" err="1"/>
+              <a:t>EMCluster</a:t>
+            </a:r>
+            <a:r>
+              <a:rPr lang="en-US" altLang="ko-KR" dirty="0"/>
+              <a:t>, Python</a:t>
             </a:r>
             <a:r>
               <a:rPr lang="ko-KR" altLang="en-US" dirty="0"/>
@@ -5410,156 +5454,198 @@
             </a:r>
             <a:r>
               <a:rPr lang="en-US" altLang="ko-KR" dirty="0"/>
-              <a:t>proportion</a:t>
+              <a:t>–</a:t>
             </a:r>
             <a:r>
               <a:rPr lang="ko-KR" altLang="en-US" dirty="0"/>
-              <a:t>이 높아서 </a:t>
-            </a:r>
-            <a:r>
-              <a:rPr lang="en-US" altLang="ko-KR" dirty="0"/>
-              <a:t>normalization</a:t>
+              <a:t> </a:t>
+            </a:r>
+            <a:r>
+              <a:rPr lang="en-US" altLang="ko-KR" dirty="0"/>
+              <a:t>Scikit-learn</a:t>
+            </a:r>
+          </a:p>
+        </p:txBody>
+      </p:sp>
+      <p:pic>
+        <p:nvPicPr>
+          <p:cNvPr id="5" name="그림 4">
+            <a:extLst>
+              <a:ext uri="{FF2B5EF4-FFF2-40B4-BE49-F238E27FC236}">
+                <a16:creationId xmlns:a16="http://schemas.microsoft.com/office/drawing/2014/main" id="{95FD7D31-F71D-34E5-2B2B-1AE1BEE5C4DC}"/>
+              </a:ext>
+            </a:extLst>
+          </p:cNvPr>
+          <p:cNvPicPr>
+            <a:picLocks noChangeAspect="1"/>
+          </p:cNvPicPr>
+          <p:nvPr/>
+        </p:nvPicPr>
+        <p:blipFill>
+          <a:blip r:embed="rId2"/>
+          <a:stretch>
+            <a:fillRect/>
+          </a:stretch>
+        </p:blipFill>
+        <p:spPr>
+          <a:xfrm>
+            <a:off x="838200" y="3429000"/>
+            <a:ext cx="6723146" cy="3353663"/>
+          </a:xfrm>
+          <a:prstGeom prst="rect">
+            <a:avLst/>
+          </a:prstGeom>
+        </p:spPr>
+      </p:pic>
+      <p:sp>
+        <p:nvSpPr>
+          <p:cNvPr id="6" name="TextBox 5">
+            <a:extLst>
+              <a:ext uri="{FF2B5EF4-FFF2-40B4-BE49-F238E27FC236}">
+                <a16:creationId xmlns:a16="http://schemas.microsoft.com/office/drawing/2014/main" id="{F7CEE238-AE72-6A80-C524-65F758418B0C}"/>
+              </a:ext>
+            </a:extLst>
+          </p:cNvPr>
+          <p:cNvSpPr txBox="1"/>
+          <p:nvPr/>
+        </p:nvSpPr>
+        <p:spPr>
+          <a:xfrm>
+            <a:off x="8104908" y="3429000"/>
+            <a:ext cx="3470564" cy="1477328"/>
+          </a:xfrm>
+          <a:prstGeom prst="rect">
+            <a:avLst/>
+          </a:prstGeom>
+          <a:noFill/>
+        </p:spPr>
+        <p:txBody>
+          <a:bodyPr wrap="square" rtlCol="0">
+            <a:spAutoFit/>
+          </a:bodyPr>
+          <a:lstStyle/>
+          <a:p>
+            <a:r>
+              <a:rPr lang="en-US" altLang="ko-KR" dirty="0"/>
+              <a:t>Gaussian</a:t>
             </a:r>
             <a:r>
               <a:rPr lang="ko-KR" altLang="en-US" dirty="0"/>
-              <a:t>을 적용하였을 때 </a:t>
-            </a:r>
-            <a:r>
-              <a:rPr lang="en-US" altLang="ko-KR" dirty="0"/>
-              <a:t>mean</a:t>
+              <a:t> </a:t>
+            </a:r>
+            <a:r>
+              <a:rPr lang="en-US" altLang="ko-KR" dirty="0"/>
+              <a:t>distribution</a:t>
             </a:r>
             <a:r>
               <a:rPr lang="ko-KR" altLang="en-US" dirty="0"/>
-              <a:t>이 굉장히 </a:t>
-            </a:r>
-            <a:r>
-              <a:rPr lang="en-US" altLang="ko-KR" dirty="0"/>
-              <a:t>skewed </a:t>
+              <a:t>이 여러 개 혼합된 </a:t>
+            </a:r>
+            <a:r>
+              <a:rPr lang="en-US" altLang="ko-KR" dirty="0"/>
+              <a:t>clustering </a:t>
             </a:r>
             <a:r>
               <a:rPr lang="ko-KR" altLang="en-US" dirty="0"/>
-              <a:t>됨</a:t>
-            </a:r>
-            <a:r>
-              <a:rPr lang="en-US" altLang="ko-KR" dirty="0"/>
-              <a:t>. -&gt; </a:t>
+              <a:t>알고리즘</a:t>
+            </a:r>
+            <a:endParaRPr lang="en-US" altLang="ko-KR" dirty="0"/>
+          </a:p>
+          <a:p>
+            <a:r>
+              <a:rPr lang="en-US" altLang="ko-KR" dirty="0"/>
+              <a:t>- X</a:t>
             </a:r>
             <a:r>
               <a:rPr lang="ko-KR" altLang="en-US" dirty="0"/>
-              <a:t>원래의 데이터와 달라짐</a:t>
-            </a:r>
-            <a:r>
-              <a:rPr lang="en-US" altLang="ko-KR" dirty="0"/>
-              <a:t>. </a:t>
-            </a:r>
-          </a:p>
-          <a:p>
-            <a:r>
-              <a:rPr lang="en-US" altLang="ko-KR" dirty="0"/>
-              <a:t>Sigma</a:t>
+              <a:t>가 발생할 확률을 </a:t>
+            </a:r>
+            <a:r>
+              <a:rPr lang="en-US" altLang="ko-KR" dirty="0"/>
+              <a:t>Gaussian probability density function</a:t>
             </a:r>
             <a:r>
               <a:rPr lang="ko-KR" altLang="en-US" dirty="0"/>
-              <a:t>는 </a:t>
-            </a:r>
-            <a:r>
-              <a:rPr lang="en-US" altLang="ko-KR" dirty="0"/>
-              <a:t>normal distribution</a:t>
-            </a:r>
-            <a:r>
-              <a:rPr lang="ko-KR" altLang="en-US" dirty="0"/>
-              <a:t>을 가정할 수 없는 상태</a:t>
-            </a:r>
-            <a:r>
-              <a:rPr lang="en-US" altLang="ko-KR" dirty="0"/>
-              <a:t>. </a:t>
-            </a:r>
-            <a:r>
-              <a:rPr lang="ko-KR" altLang="en-US" dirty="0"/>
-              <a:t>그렇다면 </a:t>
-            </a:r>
-            <a:r>
-              <a:rPr lang="en-US" altLang="ko-KR" dirty="0"/>
-              <a:t>Gaussian mixture model? (R - </a:t>
-            </a:r>
-            <a:r>
-              <a:rPr lang="en-US" altLang="ko-KR" dirty="0" err="1"/>
-              <a:t>EMCluster</a:t>
-            </a:r>
-            <a:r>
-              <a:rPr lang="en-US" altLang="ko-KR" dirty="0"/>
-              <a:t>)</a:t>
-            </a:r>
-          </a:p>
-          <a:p>
-            <a:r>
-              <a:rPr lang="en-US" altLang="ko-KR" dirty="0"/>
-              <a:t>normal distribution</a:t>
-            </a:r>
-            <a:r>
-              <a:rPr lang="ko-KR" altLang="en-US" dirty="0"/>
-              <a:t>을 가정하고 </a:t>
-            </a:r>
-            <a:r>
-              <a:rPr lang="en-US" altLang="ko-KR" dirty="0"/>
-              <a:t>cluster </a:t>
-            </a:r>
-            <a:r>
-              <a:rPr lang="ko-KR" altLang="en-US" dirty="0"/>
-              <a:t>했을 때</a:t>
-            </a:r>
-            <a:r>
-              <a:rPr lang="en-US" altLang="ko-KR" dirty="0"/>
-              <a:t>, mean</a:t>
-            </a:r>
-            <a:r>
-              <a:rPr lang="ko-KR" altLang="en-US" dirty="0"/>
-              <a:t>은 상당히 이상해지지만</a:t>
-            </a:r>
-            <a:r>
-              <a:rPr lang="en-US" altLang="ko-KR" dirty="0"/>
-              <a:t>, 0</a:t>
-            </a:r>
-            <a:r>
-              <a:rPr lang="ko-KR" altLang="en-US" dirty="0"/>
-              <a:t>이 아닌 값들의 </a:t>
-            </a:r>
-            <a:r>
-              <a:rPr lang="en-US" altLang="ko-KR" dirty="0"/>
-              <a:t>distribution</a:t>
-            </a:r>
-            <a:r>
-              <a:rPr lang="ko-KR" altLang="en-US" dirty="0"/>
-              <a:t>은 </a:t>
-            </a:r>
-            <a:r>
-              <a:rPr lang="en-US" altLang="ko-KR" dirty="0"/>
-              <a:t>remain. </a:t>
-            </a:r>
-            <a:r>
-              <a:rPr lang="ko-KR" altLang="en-US" dirty="0"/>
-              <a:t>그냥 이것으로 </a:t>
-            </a:r>
-            <a:r>
-              <a:rPr lang="en-US" altLang="ko-KR" dirty="0"/>
-              <a:t>clustering </a:t>
-            </a:r>
-            <a:r>
-              <a:rPr lang="ko-KR" altLang="en-US" dirty="0"/>
-              <a:t>강행</a:t>
-            </a:r>
-            <a:r>
-              <a:rPr lang="en-US" altLang="ko-KR" dirty="0"/>
-              <a:t>?</a:t>
-            </a:r>
-            <a:endParaRPr lang="ko-KR" altLang="en-US" dirty="0"/>
+              <a:t>의 합으로 표현</a:t>
+            </a:r>
+          </a:p>
+        </p:txBody>
+      </p:sp>
+      <p:pic>
+        <p:nvPicPr>
+          <p:cNvPr id="8" name="그림 7">
+            <a:extLst>
+              <a:ext uri="{FF2B5EF4-FFF2-40B4-BE49-F238E27FC236}">
+                <a16:creationId xmlns:a16="http://schemas.microsoft.com/office/drawing/2014/main" id="{4C469C17-F783-7370-4FBD-D902B36FB314}"/>
+              </a:ext>
+            </a:extLst>
+          </p:cNvPr>
+          <p:cNvPicPr>
+            <a:picLocks noChangeAspect="1"/>
+          </p:cNvPicPr>
+          <p:nvPr/>
+        </p:nvPicPr>
+        <p:blipFill>
+          <a:blip r:embed="rId3"/>
+          <a:stretch>
+            <a:fillRect/>
+          </a:stretch>
+        </p:blipFill>
+        <p:spPr>
+          <a:xfrm>
+            <a:off x="8740053" y="5079835"/>
+            <a:ext cx="2200275" cy="762000"/>
+          </a:xfrm>
+          <a:prstGeom prst="rect">
+            <a:avLst/>
+          </a:prstGeom>
+        </p:spPr>
+      </p:pic>
+      <p:sp>
+        <p:nvSpPr>
+          <p:cNvPr id="10" name="TextBox 9">
+            <a:extLst>
+              <a:ext uri="{FF2B5EF4-FFF2-40B4-BE49-F238E27FC236}">
+                <a16:creationId xmlns:a16="http://schemas.microsoft.com/office/drawing/2014/main" id="{E0DCD5A4-AD56-B1CF-716B-5C98E984D399}"/>
+              </a:ext>
+            </a:extLst>
+          </p:cNvPr>
+          <p:cNvSpPr txBox="1"/>
+          <p:nvPr/>
+        </p:nvSpPr>
+        <p:spPr>
+          <a:xfrm>
+            <a:off x="8349095" y="5979623"/>
+            <a:ext cx="3470565" cy="316032"/>
+          </a:xfrm>
+          <a:prstGeom prst="rect">
+            <a:avLst/>
+          </a:prstGeom>
+          <a:noFill/>
+        </p:spPr>
+        <p:txBody>
+          <a:bodyPr wrap="square">
+            <a:spAutoFit/>
+          </a:bodyPr>
+          <a:lstStyle/>
+          <a:p>
+            <a:r>
+              <a:rPr lang="ko-KR" altLang="en-US" sz="1400" dirty="0">
+                <a:hlinkClick r:id="rId4"/>
+              </a:rPr>
+              <a:t>https://untitledtblog.tistory.com/133</a:t>
+            </a:r>
+            <a:r>
+              <a:rPr lang="ko-KR" altLang="en-US" sz="1400" dirty="0"/>
+              <a:t> </a:t>
+            </a:r>
           </a:p>
         </p:txBody>
       </p:sp>
     </p:spTree>
     <p:extLst>
       <p:ext uri="{BB962C8B-B14F-4D97-AF65-F5344CB8AC3E}">
-        <p14:creationId xmlns:p14="http://schemas.microsoft.com/office/powerpoint/2010/main" val="1402801817"/>
+        <p14:creationId xmlns:p14="http://schemas.microsoft.com/office/powerpoint/2010/main" val="2609997748"/>
       </p:ext>
     </p:extLst>
   </p:cSld>
@@ -5591,7 +5677,7 @@
           <p:cNvPr id="2" name="제목 1">
             <a:extLst>
               <a:ext uri="{FF2B5EF4-FFF2-40B4-BE49-F238E27FC236}">
-                <a16:creationId xmlns:a16="http://schemas.microsoft.com/office/drawing/2014/main" id="{84111454-A21E-0BC6-AE37-2BA667E8EF77}"/>
+                <a16:creationId xmlns:a16="http://schemas.microsoft.com/office/drawing/2014/main" id="{28A2394B-4276-615E-E086-B1C84DD7E064}"/>
               </a:ext>
             </a:extLst>
           </p:cNvPr>
@@ -5609,7 +5695,7 @@
           <a:p>
             <a:r>
               <a:rPr lang="en-US" altLang="ko-KR" dirty="0"/>
-              <a:t>To do</a:t>
+              <a:t>Alternative cluster method?</a:t>
             </a:r>
             <a:endParaRPr lang="ko-KR" altLang="en-US" dirty="0"/>
           </a:p>
@@ -5620,7 +5706,7 @@
           <p:cNvPr id="3" name="내용 개체 틀 2">
             <a:extLst>
               <a:ext uri="{FF2B5EF4-FFF2-40B4-BE49-F238E27FC236}">
-                <a16:creationId xmlns:a16="http://schemas.microsoft.com/office/drawing/2014/main" id="{4DED7196-84BA-6769-A64C-7272F7EA9E3F}"/>
+                <a16:creationId xmlns:a16="http://schemas.microsoft.com/office/drawing/2014/main" id="{A1E0BA7B-25B5-2A6B-71D1-C47F36799288}"/>
               </a:ext>
             </a:extLst>
           </p:cNvPr>
@@ -5637,20 +5723,58 @@
           <a:lstStyle/>
           <a:p>
             <a:r>
-              <a:rPr lang="en-US" altLang="ko-KR" dirty="0"/>
-              <a:t>Cluster analysis without unmatched spots</a:t>
-            </a:r>
-          </a:p>
-          <a:p>
-            <a:r>
-              <a:rPr lang="en-US" altLang="ko-KR" strike="sngStrike" dirty="0"/>
-              <a:t>Try different distance/clustering parameters</a:t>
-            </a:r>
-          </a:p>
-          <a:p>
-            <a:r>
-              <a:rPr lang="en-US" altLang="ko-KR" dirty="0"/>
-              <a:t>Microarray</a:t>
+              <a:rPr lang="ko-KR" altLang="en-US" dirty="0"/>
+              <a:t>사실 그럼에도 불구하고 </a:t>
+            </a:r>
+            <a:r>
+              <a:rPr lang="en-US" altLang="ko-KR" dirty="0"/>
+              <a:t>sigma </a:t>
+            </a:r>
+            <a:r>
+              <a:rPr lang="ko-KR" altLang="en-US" dirty="0"/>
+              <a:t>기준으로 </a:t>
+            </a:r>
+            <a:r>
+              <a:rPr lang="en-US" altLang="ko-KR" dirty="0"/>
+              <a:t>cluster </a:t>
+            </a:r>
+            <a:r>
+              <a:rPr lang="ko-KR" altLang="en-US" dirty="0"/>
+              <a:t>는 됨</a:t>
+            </a:r>
+            <a:r>
+              <a:rPr lang="en-US" altLang="ko-KR" dirty="0"/>
+              <a:t>.. intensity</a:t>
+            </a:r>
+            <a:r>
+              <a:rPr lang="ko-KR" altLang="en-US" dirty="0"/>
+              <a:t>는 나뉘질 않음</a:t>
+            </a:r>
+            <a:r>
+              <a:rPr lang="en-US" altLang="ko-KR" dirty="0"/>
+              <a:t>.</a:t>
+            </a:r>
+          </a:p>
+          <a:p>
+            <a:r>
+              <a:rPr lang="en-US" altLang="ko-KR" dirty="0"/>
+              <a:t>Intensity</a:t>
+            </a:r>
+            <a:r>
+              <a:rPr lang="ko-KR" altLang="en-US" dirty="0"/>
+              <a:t>는 별 변화가 없었으나 </a:t>
+            </a:r>
+            <a:r>
+              <a:rPr lang="en-US" altLang="ko-KR" dirty="0"/>
+              <a:t>sigma</a:t>
+            </a:r>
+            <a:r>
+              <a:rPr lang="ko-KR" altLang="en-US" dirty="0"/>
+              <a:t>는 </a:t>
+            </a:r>
+            <a:r>
+              <a:rPr lang="en-US" altLang="ko-KR" dirty="0"/>
+              <a:t>zero</a:t>
             </a:r>
             <a:r>
               <a:rPr lang="ko-KR" altLang="en-US" dirty="0"/>
@@ -5658,59 +5782,235 @@
             </a:r>
             <a:r>
               <a:rPr lang="en-US" altLang="ko-KR" dirty="0"/>
-              <a:t>digitizing</a:t>
+              <a:t>proportion</a:t>
             </a:r>
             <a:r>
               <a:rPr lang="ko-KR" altLang="en-US" dirty="0"/>
-              <a:t> </a:t>
-            </a:r>
-            <a:r>
-              <a:rPr lang="en-US" altLang="ko-KR" dirty="0"/>
-              <a:t>(</a:t>
-            </a:r>
-            <a:r>
-              <a:rPr lang="ko-KR" altLang="en-US" dirty="0" err="1"/>
-              <a:t>이규상</a:t>
+              <a:t>이 높아서 </a:t>
+            </a:r>
+            <a:r>
+              <a:rPr lang="en-US" altLang="ko-KR" dirty="0"/>
+              <a:t>normalization</a:t>
             </a:r>
             <a:r>
               <a:rPr lang="ko-KR" altLang="en-US" dirty="0"/>
-              <a:t> 박사님과</a:t>
-            </a:r>
-            <a:r>
-              <a:rPr lang="en-US" altLang="ko-KR" dirty="0"/>
-              <a:t>)</a:t>
-            </a:r>
-          </a:p>
-          <a:p>
+              <a:t>을 적용하였을 때 </a:t>
+            </a:r>
+            <a:r>
+              <a:rPr lang="en-US" altLang="ko-KR" dirty="0"/>
+              <a:t>mean</a:t>
+            </a:r>
+            <a:r>
+              <a:rPr lang="ko-KR" altLang="en-US" dirty="0"/>
+              <a:t>이 굉장히 </a:t>
+            </a:r>
+            <a:r>
+              <a:rPr lang="en-US" altLang="ko-KR" dirty="0"/>
+              <a:t>skewed </a:t>
+            </a:r>
+            <a:r>
+              <a:rPr lang="ko-KR" altLang="en-US" dirty="0"/>
+              <a:t>됨</a:t>
+            </a:r>
+            <a:r>
+              <a:rPr lang="en-US" altLang="ko-KR" dirty="0"/>
+              <a:t>. -&gt; </a:t>
+            </a:r>
+            <a:r>
+              <a:rPr lang="ko-KR" altLang="en-US" dirty="0"/>
+              <a:t>원래의 데이터를 잘 반영하지 못함</a:t>
+            </a:r>
             <a:endParaRPr lang="en-US" altLang="ko-KR" dirty="0"/>
           </a:p>
           <a:p>
             <a:r>
+              <a:rPr lang="en-US" altLang="ko-KR" dirty="0"/>
+              <a:t>normal distribution</a:t>
+            </a:r>
+            <a:r>
               <a:rPr lang="ko-KR" altLang="en-US" dirty="0"/>
-              <a:t>쓸 만한 이미지인지</a:t>
-            </a:r>
-            <a:r>
-              <a:rPr lang="en-US" altLang="ko-KR" dirty="0"/>
-              <a:t> </a:t>
+              <a:t>을 가정하고 </a:t>
+            </a:r>
+            <a:r>
+              <a:rPr lang="en-US" altLang="ko-KR" dirty="0"/>
+              <a:t>cluster </a:t>
             </a:r>
             <a:r>
               <a:rPr lang="ko-KR" altLang="en-US" dirty="0"/>
-              <a:t>감별하는 </a:t>
-            </a:r>
-            <a:r>
-              <a:rPr lang="en-US" altLang="ko-KR" dirty="0"/>
-              <a:t>standard</a:t>
-            </a:r>
-          </a:p>
-          <a:p>
-            <a:endParaRPr lang="en-US" altLang="ko-KR" dirty="0"/>
+              <a:t>했을 때</a:t>
+            </a:r>
+            <a:r>
+              <a:rPr lang="en-US" altLang="ko-KR" dirty="0"/>
+              <a:t>, mean</a:t>
+            </a:r>
+            <a:r>
+              <a:rPr lang="ko-KR" altLang="en-US" dirty="0"/>
+              <a:t>은 상당히 이상해지지만</a:t>
+            </a:r>
+            <a:r>
+              <a:rPr lang="en-US" altLang="ko-KR" dirty="0"/>
+              <a:t>, 0</a:t>
+            </a:r>
+            <a:r>
+              <a:rPr lang="ko-KR" altLang="en-US" dirty="0"/>
+              <a:t>이 아닌 값들의 </a:t>
+            </a:r>
+            <a:r>
+              <a:rPr lang="en-US" altLang="ko-KR" dirty="0"/>
+              <a:t>distribution</a:t>
+            </a:r>
+            <a:r>
+              <a:rPr lang="ko-KR" altLang="en-US" dirty="0"/>
+              <a:t>은 </a:t>
+            </a:r>
+            <a:r>
+              <a:rPr lang="en-US" altLang="ko-KR" dirty="0"/>
+              <a:t>remain. </a:t>
+            </a:r>
+            <a:r>
+              <a:rPr lang="ko-KR" altLang="en-US" dirty="0"/>
+              <a:t>그냥 이것으로 </a:t>
+            </a:r>
+            <a:r>
+              <a:rPr lang="en-US" altLang="ko-KR" dirty="0"/>
+              <a:t>clustering </a:t>
+            </a:r>
+            <a:r>
+              <a:rPr lang="ko-KR" altLang="en-US" dirty="0"/>
+              <a:t>강행</a:t>
+            </a:r>
+            <a:r>
+              <a:rPr lang="en-US" altLang="ko-KR" dirty="0"/>
+              <a:t>?</a:t>
+            </a:r>
+            <a:endParaRPr lang="ko-KR" altLang="en-US" dirty="0"/>
           </a:p>
         </p:txBody>
       </p:sp>
     </p:spTree>
     <p:extLst>
       <p:ext uri="{BB962C8B-B14F-4D97-AF65-F5344CB8AC3E}">
-        <p14:creationId xmlns:p14="http://schemas.microsoft.com/office/powerpoint/2010/main" val="492001579"/>
+        <p14:creationId xmlns:p14="http://schemas.microsoft.com/office/powerpoint/2010/main" val="1402801817"/>
+      </p:ext>
+    </p:extLst>
+  </p:cSld>
+  <p:clrMapOvr>
+    <a:masterClrMapping/>
+  </p:clrMapOvr>
+</p:sld>
+</file>
+
+<file path=ppt/slides/slide19.xml><?xml version="1.0" encoding="utf-8"?>
+<p:sld xmlns:a="http://schemas.openxmlformats.org/drawingml/2006/main" xmlns:r="http://schemas.openxmlformats.org/officeDocument/2006/relationships" xmlns:p="http://schemas.openxmlformats.org/presentationml/2006/main">
+  <p:cSld>
+    <p:spTree>
+      <p:nvGrpSpPr>
+        <p:cNvPr id="1" name=""/>
+        <p:cNvGrpSpPr/>
+        <p:nvPr/>
+      </p:nvGrpSpPr>
+      <p:grpSpPr>
+        <a:xfrm>
+          <a:off x="0" y="0"/>
+          <a:ext cx="0" cy="0"/>
+          <a:chOff x="0" y="0"/>
+          <a:chExt cx="0" cy="0"/>
+        </a:xfrm>
+      </p:grpSpPr>
+      <p:sp>
+        <p:nvSpPr>
+          <p:cNvPr id="2" name="제목 1">
+            <a:extLst>
+              <a:ext uri="{FF2B5EF4-FFF2-40B4-BE49-F238E27FC236}">
+                <a16:creationId xmlns:a16="http://schemas.microsoft.com/office/drawing/2014/main" id="{1235698F-A951-4952-81FF-30717A3A4119}"/>
+              </a:ext>
+            </a:extLst>
+          </p:cNvPr>
+          <p:cNvSpPr>
+            <a:spLocks noGrp="1"/>
+          </p:cNvSpPr>
+          <p:nvPr>
+            <p:ph type="title"/>
+          </p:nvPr>
+        </p:nvSpPr>
+        <p:spPr/>
+        <p:txBody>
+          <a:bodyPr/>
+          <a:lstStyle/>
+          <a:p>
+            <a:r>
+              <a:rPr lang="en-US" altLang="ko-KR" dirty="0"/>
+              <a:t>To do</a:t>
+            </a:r>
+            <a:endParaRPr lang="ko-KR" altLang="en-US" dirty="0"/>
+          </a:p>
+        </p:txBody>
+      </p:sp>
+      <p:sp>
+        <p:nvSpPr>
+          <p:cNvPr id="3" name="내용 개체 틀 2">
+            <a:extLst>
+              <a:ext uri="{FF2B5EF4-FFF2-40B4-BE49-F238E27FC236}">
+                <a16:creationId xmlns:a16="http://schemas.microsoft.com/office/drawing/2014/main" id="{15D1812E-185D-DB3E-D0AF-442477009696}"/>
+              </a:ext>
+            </a:extLst>
+          </p:cNvPr>
+          <p:cNvSpPr>
+            <a:spLocks noGrp="1"/>
+          </p:cNvSpPr>
+          <p:nvPr>
+            <p:ph idx="1"/>
+          </p:nvPr>
+        </p:nvSpPr>
+        <p:spPr/>
+        <p:txBody>
+          <a:bodyPr/>
+          <a:lstStyle/>
+          <a:p>
+            <a:r>
+              <a:rPr lang="en-US" altLang="ko-KR" dirty="0" err="1"/>
+              <a:t>logNorm</a:t>
+            </a:r>
+            <a:endParaRPr lang="en-US" altLang="ko-KR" dirty="0"/>
+          </a:p>
+          <a:p>
+            <a:r>
+              <a:rPr lang="ko-KR" altLang="en-US" dirty="0"/>
+              <a:t>안되면 </a:t>
+            </a:r>
+            <a:r>
+              <a:rPr lang="en-US" altLang="ko-KR" dirty="0"/>
+              <a:t>GMM</a:t>
+            </a:r>
+            <a:r>
+              <a:rPr lang="ko-KR" altLang="en-US" dirty="0"/>
+              <a:t>으로 시도</a:t>
+            </a:r>
+            <a:endParaRPr lang="en-US" altLang="ko-KR" dirty="0"/>
+          </a:p>
+          <a:p>
+            <a:endParaRPr lang="en-US" altLang="ko-KR" dirty="0"/>
+          </a:p>
+          <a:p>
+            <a:r>
+              <a:rPr lang="ko-KR" altLang="en-US" dirty="0"/>
+              <a:t>나중에 </a:t>
+            </a:r>
+            <a:r>
+              <a:rPr lang="en-US" altLang="ko-KR" dirty="0"/>
+              <a:t>scikit-learn</a:t>
+            </a:r>
+            <a:r>
+              <a:rPr lang="ko-KR" altLang="en-US" dirty="0"/>
+              <a:t>으로 검증</a:t>
+            </a:r>
+          </a:p>
+        </p:txBody>
+      </p:sp>
+    </p:spTree>
+    <p:extLst>
+      <p:ext uri="{BB962C8B-B14F-4D97-AF65-F5344CB8AC3E}">
+        <p14:creationId xmlns:p14="http://schemas.microsoft.com/office/powerpoint/2010/main" val="3182593045"/>
       </p:ext>
     </p:extLst>
   </p:cSld>
@@ -5858,6 +6158,233 @@
 </p:sld>
 </file>
 
+<file path=ppt/slides/slide20.xml><?xml version="1.0" encoding="utf-8"?>
+<p:sld xmlns:a="http://schemas.openxmlformats.org/drawingml/2006/main" xmlns:r="http://schemas.openxmlformats.org/officeDocument/2006/relationships" xmlns:p="http://schemas.openxmlformats.org/presentationml/2006/main">
+  <p:cSld>
+    <p:spTree>
+      <p:nvGrpSpPr>
+        <p:cNvPr id="1" name=""/>
+        <p:cNvGrpSpPr/>
+        <p:nvPr/>
+      </p:nvGrpSpPr>
+      <p:grpSpPr>
+        <a:xfrm>
+          <a:off x="0" y="0"/>
+          <a:ext cx="0" cy="0"/>
+          <a:chOff x="0" y="0"/>
+          <a:chExt cx="0" cy="0"/>
+        </a:xfrm>
+      </p:grpSpPr>
+      <p:sp>
+        <p:nvSpPr>
+          <p:cNvPr id="2" name="제목 1">
+            <a:extLst>
+              <a:ext uri="{FF2B5EF4-FFF2-40B4-BE49-F238E27FC236}">
+                <a16:creationId xmlns:a16="http://schemas.microsoft.com/office/drawing/2014/main" id="{F9F028FD-E480-9D2F-2A8F-E52F3CA771F0}"/>
+              </a:ext>
+            </a:extLst>
+          </p:cNvPr>
+          <p:cNvSpPr>
+            <a:spLocks noGrp="1"/>
+          </p:cNvSpPr>
+          <p:nvPr>
+            <p:ph type="title"/>
+          </p:nvPr>
+        </p:nvSpPr>
+        <p:spPr/>
+        <p:txBody>
+          <a:bodyPr/>
+          <a:lstStyle/>
+          <a:p>
+            <a:r>
+              <a:rPr lang="en-US" altLang="ko-KR" dirty="0"/>
+              <a:t>Cluster Analysis (Patient Sample)</a:t>
+            </a:r>
+            <a:endParaRPr lang="ko-KR" altLang="en-US" dirty="0"/>
+          </a:p>
+        </p:txBody>
+      </p:sp>
+      <p:pic>
+        <p:nvPicPr>
+          <p:cNvPr id="5" name="그림 4">
+            <a:extLst>
+              <a:ext uri="{FF2B5EF4-FFF2-40B4-BE49-F238E27FC236}">
+                <a16:creationId xmlns:a16="http://schemas.microsoft.com/office/drawing/2014/main" id="{C9368369-45B2-4201-5579-30929770B335}"/>
+              </a:ext>
+            </a:extLst>
+          </p:cNvPr>
+          <p:cNvPicPr>
+            <a:picLocks noChangeAspect="1"/>
+          </p:cNvPicPr>
+          <p:nvPr/>
+        </p:nvPicPr>
+        <p:blipFill>
+          <a:blip r:embed="rId2"/>
+          <a:stretch>
+            <a:fillRect/>
+          </a:stretch>
+        </p:blipFill>
+        <p:spPr>
+          <a:xfrm>
+            <a:off x="5788098" y="1940901"/>
+            <a:ext cx="6245211" cy="4370999"/>
+          </a:xfrm>
+          <a:prstGeom prst="rect">
+            <a:avLst/>
+          </a:prstGeom>
+        </p:spPr>
+      </p:pic>
+      <p:pic>
+        <p:nvPicPr>
+          <p:cNvPr id="9" name="그림 8">
+            <a:extLst>
+              <a:ext uri="{FF2B5EF4-FFF2-40B4-BE49-F238E27FC236}">
+                <a16:creationId xmlns:a16="http://schemas.microsoft.com/office/drawing/2014/main" id="{87E6AC33-EB39-9485-7759-6013FC165987}"/>
+              </a:ext>
+            </a:extLst>
+          </p:cNvPr>
+          <p:cNvPicPr>
+            <a:picLocks noChangeAspect="1"/>
+          </p:cNvPicPr>
+          <p:nvPr/>
+        </p:nvPicPr>
+        <p:blipFill>
+          <a:blip r:embed="rId3"/>
+          <a:stretch>
+            <a:fillRect/>
+          </a:stretch>
+        </p:blipFill>
+        <p:spPr>
+          <a:xfrm>
+            <a:off x="77104" y="1499616"/>
+            <a:ext cx="5546456" cy="5413156"/>
+          </a:xfrm>
+          <a:prstGeom prst="rect">
+            <a:avLst/>
+          </a:prstGeom>
+        </p:spPr>
+      </p:pic>
+      <p:sp>
+        <p:nvSpPr>
+          <p:cNvPr id="10" name="TextBox 9">
+            <a:extLst>
+              <a:ext uri="{FF2B5EF4-FFF2-40B4-BE49-F238E27FC236}">
+                <a16:creationId xmlns:a16="http://schemas.microsoft.com/office/drawing/2014/main" id="{792C32BA-A747-7046-A3FF-AE8D88D8F4D6}"/>
+              </a:ext>
+            </a:extLst>
+          </p:cNvPr>
+          <p:cNvSpPr txBox="1"/>
+          <p:nvPr/>
+        </p:nvSpPr>
+        <p:spPr>
+          <a:xfrm>
+            <a:off x="7231706" y="1446463"/>
+            <a:ext cx="3511296" cy="369332"/>
+          </a:xfrm>
+          <a:prstGeom prst="rect">
+            <a:avLst/>
+          </a:prstGeom>
+          <a:noFill/>
+        </p:spPr>
+        <p:txBody>
+          <a:bodyPr wrap="square" rtlCol="0">
+            <a:spAutoFit/>
+          </a:bodyPr>
+          <a:lstStyle/>
+          <a:p>
+            <a:r>
+              <a:rPr lang="en-US" altLang="ko-KR" dirty="0"/>
+              <a:t>Average silhouette coefficient</a:t>
+            </a:r>
+            <a:endParaRPr lang="ko-KR" altLang="en-US" dirty="0"/>
+          </a:p>
+        </p:txBody>
+      </p:sp>
+      <p:sp>
+        <p:nvSpPr>
+          <p:cNvPr id="11" name="TextBox 10">
+            <a:extLst>
+              <a:ext uri="{FF2B5EF4-FFF2-40B4-BE49-F238E27FC236}">
+                <a16:creationId xmlns:a16="http://schemas.microsoft.com/office/drawing/2014/main" id="{B7D69245-A953-EFAD-3954-EBDF85F0D267}"/>
+              </a:ext>
+            </a:extLst>
+          </p:cNvPr>
+          <p:cNvSpPr txBox="1"/>
+          <p:nvPr/>
+        </p:nvSpPr>
+        <p:spPr>
+          <a:xfrm>
+            <a:off x="2980944" y="4526280"/>
+            <a:ext cx="521208" cy="369332"/>
+          </a:xfrm>
+          <a:prstGeom prst="rect">
+            <a:avLst/>
+          </a:prstGeom>
+          <a:noFill/>
+        </p:spPr>
+        <p:txBody>
+          <a:bodyPr wrap="square" rtlCol="0">
+            <a:spAutoFit/>
+          </a:bodyPr>
+          <a:lstStyle/>
+          <a:p>
+            <a:r>
+              <a:rPr lang="en-US" altLang="ko-KR" dirty="0"/>
+              <a:t>C3</a:t>
+            </a:r>
+            <a:endParaRPr lang="ko-KR" altLang="en-US" dirty="0"/>
+          </a:p>
+        </p:txBody>
+      </p:sp>
+      <p:sp>
+        <p:nvSpPr>
+          <p:cNvPr id="12" name="TextBox 11">
+            <a:extLst>
+              <a:ext uri="{FF2B5EF4-FFF2-40B4-BE49-F238E27FC236}">
+                <a16:creationId xmlns:a16="http://schemas.microsoft.com/office/drawing/2014/main" id="{CD1EDA2B-D771-DF0A-04B8-541ECEDC6EB9}"/>
+              </a:ext>
+            </a:extLst>
+          </p:cNvPr>
+          <p:cNvSpPr txBox="1"/>
+          <p:nvPr/>
+        </p:nvSpPr>
+        <p:spPr>
+          <a:xfrm>
+            <a:off x="1880616" y="2825179"/>
+            <a:ext cx="521208" cy="923330"/>
+          </a:xfrm>
+          <a:prstGeom prst="rect">
+            <a:avLst/>
+          </a:prstGeom>
+          <a:noFill/>
+        </p:spPr>
+        <p:txBody>
+          <a:bodyPr wrap="square" rtlCol="0">
+            <a:spAutoFit/>
+          </a:bodyPr>
+          <a:lstStyle/>
+          <a:p>
+            <a:r>
+              <a:rPr lang="en-US" altLang="ko-KR" dirty="0"/>
+              <a:t>C1, C2, C4</a:t>
+            </a:r>
+            <a:endParaRPr lang="ko-KR" altLang="en-US" dirty="0"/>
+          </a:p>
+        </p:txBody>
+      </p:sp>
+    </p:spTree>
+    <p:extLst>
+      <p:ext uri="{BB962C8B-B14F-4D97-AF65-F5344CB8AC3E}">
+        <p14:creationId xmlns:p14="http://schemas.microsoft.com/office/powerpoint/2010/main" val="1313738947"/>
+      </p:ext>
+    </p:extLst>
+  </p:cSld>
+  <p:clrMapOvr>
+    <a:masterClrMapping/>
+  </p:clrMapOvr>
+</p:sld>
+</file>
+
 <file path=ppt/slides/slide3.xml><?xml version="1.0" encoding="utf-8"?>
 <p:sld xmlns:a="http://schemas.openxmlformats.org/drawingml/2006/main" xmlns:r="http://schemas.openxmlformats.org/officeDocument/2006/relationships" xmlns:p="http://schemas.openxmlformats.org/presentationml/2006/main">
   <p:cSld>
@@ -5906,15 +6433,7 @@
             </a:r>
             <a:r>
               <a:rPr lang="en-US" altLang="ko-KR" dirty="0"/>
-              <a:t>Data</a:t>
-            </a:r>
-            <a:r>
-              <a:rPr lang="ko-KR" altLang="en-US" dirty="0"/>
-              <a:t> </a:t>
-            </a:r>
-            <a:r>
-              <a:rPr lang="en-US" altLang="ko-KR" dirty="0"/>
-              <a:t>(Patient Sample)</a:t>
+              <a:t>Data - # spots per channel</a:t>
             </a:r>
             <a:endParaRPr lang="ko-KR" altLang="en-US" dirty="0"/>
           </a:p>
@@ -6174,15 +6693,7 @@
             </a:r>
             <a:r>
               <a:rPr lang="en-US" altLang="ko-KR" dirty="0"/>
-              <a:t>Data</a:t>
-            </a:r>
-            <a:r>
-              <a:rPr lang="ko-KR" altLang="en-US" dirty="0"/>
-              <a:t> </a:t>
-            </a:r>
-            <a:r>
-              <a:rPr lang="en-US" altLang="ko-KR" dirty="0"/>
-              <a:t>– Intensity distribution</a:t>
+              <a:t>Data - Distributions</a:t>
             </a:r>
             <a:endParaRPr lang="ko-KR" altLang="en-US" dirty="0"/>
           </a:p>
@@ -6209,74 +6720,60 @@
           <a:bodyPr/>
           <a:lstStyle/>
           <a:p>
-            <a:endParaRPr lang="ko-KR" altLang="en-US"/>
-          </a:p>
-        </p:txBody>
-      </p:sp>
-      <p:pic>
-        <p:nvPicPr>
-          <p:cNvPr id="7" name="그림 6">
-            <a:extLst>
-              <a:ext uri="{FF2B5EF4-FFF2-40B4-BE49-F238E27FC236}">
-                <a16:creationId xmlns:a16="http://schemas.microsoft.com/office/drawing/2014/main" id="{1049E689-80EE-1DC8-8488-2D638CDAB859}"/>
-              </a:ext>
-            </a:extLst>
-          </p:cNvPr>
-          <p:cNvPicPr>
-            <a:picLocks noChangeAspect="1"/>
-          </p:cNvPicPr>
-          <p:nvPr/>
-        </p:nvPicPr>
-        <p:blipFill>
-          <a:blip r:embed="rId2"/>
-          <a:stretch>
-            <a:fillRect/>
-          </a:stretch>
-        </p:blipFill>
-        <p:spPr>
-          <a:xfrm>
-            <a:off x="0" y="1559799"/>
-            <a:ext cx="6096000" cy="5298201"/>
-          </a:xfrm>
-          <a:prstGeom prst="rect">
-            <a:avLst/>
-          </a:prstGeom>
-        </p:spPr>
-      </p:pic>
-      <p:pic>
-        <p:nvPicPr>
-          <p:cNvPr id="9" name="그림 8">
-            <a:extLst>
-              <a:ext uri="{FF2B5EF4-FFF2-40B4-BE49-F238E27FC236}">
-                <a16:creationId xmlns:a16="http://schemas.microsoft.com/office/drawing/2014/main" id="{45A5DB83-223C-C2AA-524F-EDF21E04CB6D}"/>
-              </a:ext>
-            </a:extLst>
-          </p:cNvPr>
-          <p:cNvPicPr>
-            <a:picLocks noChangeAspect="1"/>
-          </p:cNvPicPr>
-          <p:nvPr/>
-        </p:nvPicPr>
-        <p:blipFill>
-          <a:blip r:embed="rId3"/>
-          <a:stretch>
-            <a:fillRect/>
-          </a:stretch>
-        </p:blipFill>
-        <p:spPr>
-          <a:xfrm>
-            <a:off x="6095479" y="1690688"/>
-            <a:ext cx="6096522" cy="5165566"/>
-          </a:xfrm>
-          <a:prstGeom prst="rect">
-            <a:avLst/>
-          </a:prstGeom>
-        </p:spPr>
-      </p:pic>
+            <a:pPr marL="514350" indent="-514350">
+              <a:lnSpc>
+                <a:spcPct val="150000"/>
+              </a:lnSpc>
+              <a:buAutoNum type="arabicPeriod"/>
+            </a:pPr>
+            <a:r>
+              <a:rPr lang="en-US" altLang="ko-KR" dirty="0"/>
+              <a:t>Raw distribution per channel (Showing all spots including zero sigma)</a:t>
+            </a:r>
+          </a:p>
+          <a:p>
+            <a:pPr marL="514350" indent="-514350">
+              <a:lnSpc>
+                <a:spcPct val="150000"/>
+              </a:lnSpc>
+              <a:buAutoNum type="arabicPeriod"/>
+            </a:pPr>
+            <a:r>
+              <a:rPr lang="en-US" altLang="ko-KR" dirty="0"/>
+              <a:t>Sigma &gt; 0 per channel (Diff # spots per channel)</a:t>
+            </a:r>
+          </a:p>
+          <a:p>
+            <a:pPr marL="514350" indent="-514350">
+              <a:lnSpc>
+                <a:spcPct val="150000"/>
+              </a:lnSpc>
+              <a:buAutoNum type="arabicPeriod"/>
+            </a:pPr>
+            <a:r>
+              <a:rPr lang="en-US" altLang="ko-KR" dirty="0"/>
+              <a:t>Distribution after normalization</a:t>
+            </a:r>
+          </a:p>
+          <a:p>
+            <a:pPr marL="514350" indent="-514350">
+              <a:lnSpc>
+                <a:spcPct val="150000"/>
+              </a:lnSpc>
+              <a:buAutoNum type="arabicPeriod"/>
+            </a:pPr>
+            <a:r>
+              <a:rPr lang="en-US" altLang="ko-KR" dirty="0"/>
+              <a:t>Distribution after normalization &amp; Sigma &gt; 0 per channel</a:t>
+            </a:r>
+            <a:endParaRPr lang="ko-KR" altLang="en-US" dirty="0"/>
+          </a:p>
+        </p:txBody>
+      </p:sp>
     </p:spTree>
     <p:extLst>
       <p:ext uri="{BB962C8B-B14F-4D97-AF65-F5344CB8AC3E}">
-        <p14:creationId xmlns:p14="http://schemas.microsoft.com/office/powerpoint/2010/main" val="1445236592"/>
+        <p14:creationId xmlns:p14="http://schemas.microsoft.com/office/powerpoint/2010/main" val="1681569416"/>
       </p:ext>
     </p:extLst>
   </p:cSld>
@@ -6342,7 +6839,7 @@
             </a:r>
             <a:r>
               <a:rPr lang="en-US" altLang="ko-KR" dirty="0"/>
-              <a:t>– Sigma distribution</a:t>
+              <a:t>– Intensity distribution</a:t>
             </a:r>
             <a:endParaRPr lang="ko-KR" altLang="en-US" dirty="0"/>
           </a:p>
@@ -6375,10 +6872,10 @@
       </p:sp>
       <p:pic>
         <p:nvPicPr>
-          <p:cNvPr id="5" name="그림 4">
-            <a:extLst>
-              <a:ext uri="{FF2B5EF4-FFF2-40B4-BE49-F238E27FC236}">
-                <a16:creationId xmlns:a16="http://schemas.microsoft.com/office/drawing/2014/main" id="{BFBCBC78-6106-A748-6AA1-799071FE15FB}"/>
+          <p:cNvPr id="7" name="그림 6">
+            <a:extLst>
+              <a:ext uri="{FF2B5EF4-FFF2-40B4-BE49-F238E27FC236}">
+                <a16:creationId xmlns:a16="http://schemas.microsoft.com/office/drawing/2014/main" id="{1049E689-80EE-1DC8-8488-2D638CDAB859}"/>
               </a:ext>
             </a:extLst>
           </p:cNvPr>
@@ -6395,8 +6892,8 @@
         </p:blipFill>
         <p:spPr>
           <a:xfrm>
-            <a:off x="0" y="1855410"/>
-            <a:ext cx="6096000" cy="5002590"/>
+            <a:off x="0" y="1559799"/>
+            <a:ext cx="6096000" cy="5298201"/>
           </a:xfrm>
           <a:prstGeom prst="rect">
             <a:avLst/>
@@ -6405,10 +6902,10 @@
       </p:pic>
       <p:pic>
         <p:nvPicPr>
-          <p:cNvPr id="8" name="그림 7">
-            <a:extLst>
-              <a:ext uri="{FF2B5EF4-FFF2-40B4-BE49-F238E27FC236}">
-                <a16:creationId xmlns:a16="http://schemas.microsoft.com/office/drawing/2014/main" id="{40DA8B1C-3611-8A41-AD16-F7B193BA4E2B}"/>
+          <p:cNvPr id="9" name="그림 8">
+            <a:extLst>
+              <a:ext uri="{FF2B5EF4-FFF2-40B4-BE49-F238E27FC236}">
+                <a16:creationId xmlns:a16="http://schemas.microsoft.com/office/drawing/2014/main" id="{45A5DB83-223C-C2AA-524F-EDF21E04CB6D}"/>
               </a:ext>
             </a:extLst>
           </p:cNvPr>
@@ -6425,8 +6922,8 @@
         </p:blipFill>
         <p:spPr>
           <a:xfrm>
-            <a:off x="6096000" y="1855410"/>
-            <a:ext cx="6096000" cy="5002590"/>
+            <a:off x="6095479" y="1690688"/>
+            <a:ext cx="6096522" cy="5165566"/>
           </a:xfrm>
           <a:prstGeom prst="rect">
             <a:avLst/>
@@ -6436,7 +6933,7 @@
     </p:spTree>
     <p:extLst>
       <p:ext uri="{BB962C8B-B14F-4D97-AF65-F5344CB8AC3E}">
-        <p14:creationId xmlns:p14="http://schemas.microsoft.com/office/powerpoint/2010/main" val="2078261401"/>
+        <p14:creationId xmlns:p14="http://schemas.microsoft.com/office/powerpoint/2010/main" val="1445236592"/>
       </p:ext>
     </p:extLst>
   </p:cSld>
@@ -6647,7 +7144,7 @@
           <p:cNvPr id="2" name="제목 1">
             <a:extLst>
               <a:ext uri="{FF2B5EF4-FFF2-40B4-BE49-F238E27FC236}">
-                <a16:creationId xmlns:a16="http://schemas.microsoft.com/office/drawing/2014/main" id="{1D8BBEF9-829C-B144-F825-A094BA40D78D}"/>
+                <a16:creationId xmlns:a16="http://schemas.microsoft.com/office/drawing/2014/main" id="{58C47A4C-0BB1-AD7D-2DFC-4EA7FCFF311D}"/>
               </a:ext>
             </a:extLst>
           </p:cNvPr>
@@ -6681,9 +7178,49 @@
             </a:r>
             <a:r>
               <a:rPr lang="en-US" altLang="ko-KR" dirty="0"/>
-              <a:t>– Sigma distribution</a:t>
+              <a:t>– Intensity distribution</a:t>
             </a:r>
             <a:endParaRPr lang="ko-KR" altLang="en-US" dirty="0"/>
+          </a:p>
+        </p:txBody>
+      </p:sp>
+      <p:sp>
+        <p:nvSpPr>
+          <p:cNvPr id="3" name="TextBox 2">
+            <a:extLst>
+              <a:ext uri="{FF2B5EF4-FFF2-40B4-BE49-F238E27FC236}">
+                <a16:creationId xmlns:a16="http://schemas.microsoft.com/office/drawing/2014/main" id="{3C08F6ED-C5EC-A3D7-69D9-0E0BA8A4158A}"/>
+              </a:ext>
+            </a:extLst>
+          </p:cNvPr>
+          <p:cNvSpPr txBox="1"/>
+          <p:nvPr/>
+        </p:nvSpPr>
+        <p:spPr>
+          <a:xfrm>
+            <a:off x="4408929" y="1336745"/>
+            <a:ext cx="3069336" cy="400110"/>
+          </a:xfrm>
+          <a:prstGeom prst="rect">
+            <a:avLst/>
+          </a:prstGeom>
+          <a:noFill/>
+        </p:spPr>
+        <p:txBody>
+          <a:bodyPr wrap="square" rtlCol="0">
+            <a:spAutoFit/>
+          </a:bodyPr>
+          <a:lstStyle/>
+          <a:p>
+            <a:pPr algn="ctr"/>
+            <a:r>
+              <a:rPr lang="en-US" altLang="ko-KR" sz="2000" b="1" dirty="0">
+                <a:solidFill>
+                  <a:srgbClr val="FF0000"/>
+                </a:solidFill>
+              </a:rPr>
+              <a:t>After Normalization</a:t>
+            </a:r>
           </a:p>
         </p:txBody>
       </p:sp>
@@ -6692,7 +7229,7 @@
           <p:cNvPr id="5" name="그림 4">
             <a:extLst>
               <a:ext uri="{FF2B5EF4-FFF2-40B4-BE49-F238E27FC236}">
-                <a16:creationId xmlns:a16="http://schemas.microsoft.com/office/drawing/2014/main" id="{3052CE39-97C8-9050-7ECE-9D792C70B5D2}"/>
+                <a16:creationId xmlns:a16="http://schemas.microsoft.com/office/drawing/2014/main" id="{BF9730FE-A33D-3E8F-8133-2734C00F6048}"/>
               </a:ext>
             </a:extLst>
           </p:cNvPr>
@@ -6709,8 +7246,8 @@
         </p:blipFill>
         <p:spPr>
           <a:xfrm>
-            <a:off x="6096000" y="1716238"/>
-            <a:ext cx="6096000" cy="5141762"/>
+            <a:off x="0" y="1855411"/>
+            <a:ext cx="6096000" cy="5002590"/>
           </a:xfrm>
           <a:prstGeom prst="rect">
             <a:avLst/>
@@ -6719,19 +7256,17 @@
       </p:pic>
       <p:pic>
         <p:nvPicPr>
-          <p:cNvPr id="6" name="내용 개체 틀 5">
-            <a:extLst>
-              <a:ext uri="{FF2B5EF4-FFF2-40B4-BE49-F238E27FC236}">
-                <a16:creationId xmlns:a16="http://schemas.microsoft.com/office/drawing/2014/main" id="{16408705-776E-FEEA-2AEB-DDD815B8B06F}"/>
+          <p:cNvPr id="7" name="그림 6">
+            <a:extLst>
+              <a:ext uri="{FF2B5EF4-FFF2-40B4-BE49-F238E27FC236}">
+                <a16:creationId xmlns:a16="http://schemas.microsoft.com/office/drawing/2014/main" id="{6AFECF8B-02D9-15D1-3D76-023C38A1C46E}"/>
               </a:ext>
             </a:extLst>
           </p:cNvPr>
           <p:cNvPicPr>
-            <a:picLocks noGrp="1" noChangeAspect="1"/>
+            <a:picLocks noChangeAspect="1"/>
           </p:cNvPicPr>
-          <p:nvPr>
-            <p:ph idx="1"/>
-          </p:nvPr>
+          <p:nvPr/>
         </p:nvPicPr>
         <p:blipFill>
           <a:blip r:embed="rId3"/>
@@ -6741,62 +7276,18 @@
         </p:blipFill>
         <p:spPr>
           <a:xfrm>
-            <a:off x="0" y="1716236"/>
-            <a:ext cx="6096000" cy="5141763"/>
+            <a:off x="6096000" y="1855411"/>
+            <a:ext cx="6096000" cy="5002590"/>
           </a:xfrm>
           <a:prstGeom prst="rect">
             <a:avLst/>
           </a:prstGeom>
         </p:spPr>
       </p:pic>
-      <p:sp>
-        <p:nvSpPr>
-          <p:cNvPr id="7" name="TextBox 6">
-            <a:extLst>
-              <a:ext uri="{FF2B5EF4-FFF2-40B4-BE49-F238E27FC236}">
-                <a16:creationId xmlns:a16="http://schemas.microsoft.com/office/drawing/2014/main" id="{1F74E9F2-927B-6C50-8C98-6361F85B251B}"/>
-              </a:ext>
-            </a:extLst>
-          </p:cNvPr>
-          <p:cNvSpPr txBox="1"/>
-          <p:nvPr/>
-        </p:nvSpPr>
-        <p:spPr>
-          <a:xfrm>
-            <a:off x="5154168" y="1321356"/>
-            <a:ext cx="4590288" cy="369332"/>
-          </a:xfrm>
-          <a:prstGeom prst="rect">
-            <a:avLst/>
-          </a:prstGeom>
-          <a:noFill/>
-        </p:spPr>
-        <p:txBody>
-          <a:bodyPr wrap="square" rtlCol="0">
-            <a:spAutoFit/>
-          </a:bodyPr>
-          <a:lstStyle/>
-          <a:p>
-            <a:r>
-              <a:rPr lang="en-US" altLang="ko-KR" dirty="0">
-                <a:solidFill>
-                  <a:srgbClr val="FF0000"/>
-                </a:solidFill>
-              </a:rPr>
-              <a:t>Sigma &gt; 0</a:t>
-            </a:r>
-            <a:endParaRPr lang="ko-KR" altLang="en-US" dirty="0">
-              <a:solidFill>
-                <a:srgbClr val="FF0000"/>
-              </a:solidFill>
-            </a:endParaRPr>
-          </a:p>
-        </p:txBody>
-      </p:sp>
     </p:spTree>
     <p:extLst>
       <p:ext uri="{BB962C8B-B14F-4D97-AF65-F5344CB8AC3E}">
-        <p14:creationId xmlns:p14="http://schemas.microsoft.com/office/powerpoint/2010/main" val="2783360439"/>
+        <p14:creationId xmlns:p14="http://schemas.microsoft.com/office/powerpoint/2010/main" val="631215476"/>
       </p:ext>
     </p:extLst>
   </p:cSld>
@@ -6868,52 +7359,12 @@
           </a:p>
         </p:txBody>
       </p:sp>
-      <p:sp>
-        <p:nvSpPr>
-          <p:cNvPr id="3" name="TextBox 2">
-            <a:extLst>
-              <a:ext uri="{FF2B5EF4-FFF2-40B4-BE49-F238E27FC236}">
-                <a16:creationId xmlns:a16="http://schemas.microsoft.com/office/drawing/2014/main" id="{3C08F6ED-C5EC-A3D7-69D9-0E0BA8A4158A}"/>
-              </a:ext>
-            </a:extLst>
-          </p:cNvPr>
-          <p:cNvSpPr txBox="1"/>
-          <p:nvPr/>
-        </p:nvSpPr>
-        <p:spPr>
-          <a:xfrm>
-            <a:off x="4408929" y="1336745"/>
-            <a:ext cx="3069336" cy="400110"/>
-          </a:xfrm>
-          <a:prstGeom prst="rect">
-            <a:avLst/>
-          </a:prstGeom>
-          <a:noFill/>
-        </p:spPr>
-        <p:txBody>
-          <a:bodyPr wrap="square" rtlCol="0">
-            <a:spAutoFit/>
-          </a:bodyPr>
-          <a:lstStyle/>
-          <a:p>
-            <a:pPr algn="ctr"/>
-            <a:r>
-              <a:rPr lang="en-US" altLang="ko-KR" sz="2000" b="1" dirty="0">
-                <a:solidFill>
-                  <a:srgbClr val="FF0000"/>
-                </a:solidFill>
-              </a:rPr>
-              <a:t>After Normalization</a:t>
-            </a:r>
-          </a:p>
-        </p:txBody>
-      </p:sp>
       <p:pic>
         <p:nvPicPr>
-          <p:cNvPr id="5" name="그림 4">
-            <a:extLst>
-              <a:ext uri="{FF2B5EF4-FFF2-40B4-BE49-F238E27FC236}">
-                <a16:creationId xmlns:a16="http://schemas.microsoft.com/office/drawing/2014/main" id="{BF9730FE-A33D-3E8F-8133-2734C00F6048}"/>
+          <p:cNvPr id="13" name="그림 12">
+            <a:extLst>
+              <a:ext uri="{FF2B5EF4-FFF2-40B4-BE49-F238E27FC236}">
+                <a16:creationId xmlns:a16="http://schemas.microsoft.com/office/drawing/2014/main" id="{23DB9B72-D757-B0D8-5F52-4FE466CF5905}"/>
               </a:ext>
             </a:extLst>
           </p:cNvPr>
@@ -6930,8 +7381,8 @@
         </p:blipFill>
         <p:spPr>
           <a:xfrm>
-            <a:off x="0" y="1855411"/>
-            <a:ext cx="6096000" cy="5002590"/>
+            <a:off x="1" y="1716236"/>
+            <a:ext cx="6096002" cy="5141764"/>
           </a:xfrm>
           <a:prstGeom prst="rect">
             <a:avLst/>
@@ -6940,10 +7391,10 @@
       </p:pic>
       <p:pic>
         <p:nvPicPr>
-          <p:cNvPr id="7" name="그림 6">
-            <a:extLst>
-              <a:ext uri="{FF2B5EF4-FFF2-40B4-BE49-F238E27FC236}">
-                <a16:creationId xmlns:a16="http://schemas.microsoft.com/office/drawing/2014/main" id="{6AFECF8B-02D9-15D1-3D76-023C38A1C46E}"/>
+          <p:cNvPr id="15" name="그림 14">
+            <a:extLst>
+              <a:ext uri="{FF2B5EF4-FFF2-40B4-BE49-F238E27FC236}">
+                <a16:creationId xmlns:a16="http://schemas.microsoft.com/office/drawing/2014/main" id="{E991FE14-53F4-9CF6-1D1B-1A7F69292F5E}"/>
               </a:ext>
             </a:extLst>
           </p:cNvPr>
@@ -6960,18 +7411,74 @@
         </p:blipFill>
         <p:spPr>
           <a:xfrm>
-            <a:off x="6096000" y="1855411"/>
-            <a:ext cx="6096000" cy="5002590"/>
+            <a:off x="6095997" y="1716236"/>
+            <a:ext cx="6096002" cy="5141764"/>
           </a:xfrm>
           <a:prstGeom prst="rect">
             <a:avLst/>
           </a:prstGeom>
         </p:spPr>
       </p:pic>
+      <p:sp>
+        <p:nvSpPr>
+          <p:cNvPr id="3" name="TextBox 2">
+            <a:extLst>
+              <a:ext uri="{FF2B5EF4-FFF2-40B4-BE49-F238E27FC236}">
+                <a16:creationId xmlns:a16="http://schemas.microsoft.com/office/drawing/2014/main" id="{3C08F6ED-C5EC-A3D7-69D9-0E0BA8A4158A}"/>
+              </a:ext>
+            </a:extLst>
+          </p:cNvPr>
+          <p:cNvSpPr txBox="1"/>
+          <p:nvPr/>
+        </p:nvSpPr>
+        <p:spPr>
+          <a:xfrm>
+            <a:off x="4408929" y="1336745"/>
+            <a:ext cx="3069336" cy="707886"/>
+          </a:xfrm>
+          <a:prstGeom prst="rect">
+            <a:avLst/>
+          </a:prstGeom>
+          <a:noFill/>
+        </p:spPr>
+        <p:txBody>
+          <a:bodyPr wrap="square" rtlCol="0">
+            <a:spAutoFit/>
+          </a:bodyPr>
+          <a:lstStyle/>
+          <a:p>
+            <a:pPr algn="ctr"/>
+            <a:r>
+              <a:rPr lang="en-US" altLang="ko-KR" sz="2000" b="1" dirty="0">
+                <a:solidFill>
+                  <a:srgbClr val="FF0000"/>
+                </a:solidFill>
+              </a:rPr>
+              <a:t>After Normalization</a:t>
+            </a:r>
+          </a:p>
+          <a:p>
+            <a:pPr algn="ctr"/>
+            <a:r>
+              <a:rPr lang="en-US" altLang="ko-KR" sz="2000" b="1" dirty="0">
+                <a:solidFill>
+                  <a:srgbClr val="FF0000"/>
+                </a:solidFill>
+              </a:rPr>
+              <a:t>Sigma &gt; 0</a:t>
+            </a:r>
+            <a:endParaRPr lang="ko-KR" altLang="en-US" sz="2000" b="1" dirty="0">
+              <a:solidFill>
+                <a:srgbClr val="FF0000"/>
+              </a:solidFill>
+            </a:endParaRPr>
+          </a:p>
+        </p:txBody>
+      </p:sp>
     </p:spTree>
     <p:extLst>
       <p:ext uri="{BB962C8B-B14F-4D97-AF65-F5344CB8AC3E}">
-        <p14:creationId xmlns:p14="http://schemas.microsoft.com/office/powerpoint/2010/main" val="631215476"/>
+        <p14:creationId xmlns:p14="http://schemas.microsoft.com/office/powerpoint/2010/main" val="891137179"/>
       </p:ext>
     </p:extLst>
   </p:cSld>
